--- a/downloads/SGC_Profile.pptx
+++ b/downloads/SGC_Profile.pptx
@@ -119,7 +119,7 @@
   </p:defaultTextStyle>
   <p:extLst>
     <p:ext uri="{EFAFB233-063F-42B5-8137-9DF3F51BA10A}">
-      <p15:sldGuideLst xmlns:p15="http://schemas.microsoft.com/office/powerpoint/2012/main" xmlns="">
+      <p15:sldGuideLst xmlns:p15="http://schemas.microsoft.com/office/powerpoint/2012/main">
         <p15:guide id="1" orient="horz" pos="2880">
           <p15:clr>
             <a:srgbClr val="A4A3A4"/>
@@ -218,7 +218,7 @@
           <a:p>
             <a:fld id="{276280CC-F926-4BB6-AEC6-9D93304960E5}" type="datetimeFigureOut">
               <a:rPr lang="en-US" smtClean="0"/>
-              <a:t>27/09/2023</a:t>
+              <a:t>6/20/2024</a:t>
             </a:fld>
             <a:endParaRPr lang="en-US"/>
           </a:p>
@@ -284,38 +284,37 @@
           <a:p>
             <a:pPr lvl="0"/>
             <a:r>
-              <a:rPr lang="en-US" smtClean="0"/>
+              <a:rPr lang="en-US"/>
               <a:t>Click to edit Master text styles</a:t>
             </a:r>
           </a:p>
           <a:p>
             <a:pPr lvl="1"/>
             <a:r>
-              <a:rPr lang="en-US" smtClean="0"/>
+              <a:rPr lang="en-US"/>
               <a:t>Second level</a:t>
             </a:r>
           </a:p>
           <a:p>
             <a:pPr lvl="2"/>
             <a:r>
-              <a:rPr lang="en-US" smtClean="0"/>
+              <a:rPr lang="en-US"/>
               <a:t>Third level</a:t>
             </a:r>
           </a:p>
           <a:p>
             <a:pPr lvl="3"/>
             <a:r>
-              <a:rPr lang="en-US" smtClean="0"/>
+              <a:rPr lang="en-US"/>
               <a:t>Fourth level</a:t>
             </a:r>
           </a:p>
           <a:p>
             <a:pPr lvl="4"/>
             <a:r>
-              <a:rPr lang="en-US" smtClean="0"/>
+              <a:rPr lang="en-US"/>
               <a:t>Fifth level</a:t>
             </a:r>
-            <a:endParaRPr lang="en-US"/>
           </a:p>
         </p:txBody>
       </p:sp>
@@ -704,7 +703,7 @@
             <a:fld id="{1D8BD707-D9CF-40AE-B4C6-C98DA3205C09}" type="datetimeFigureOut">
               <a:rPr lang="en-US"/>
               <a:pPr/>
-              <a:t>27/09/2023</a:t>
+              <a:t>6/20/2024</a:t>
             </a:fld>
             <a:endParaRPr lang="en-US"/>
           </a:p>
@@ -882,7 +881,7 @@
             <a:fld id="{1D8BD707-D9CF-40AE-B4C6-C98DA3205C09}" type="datetimeFigureOut">
               <a:rPr lang="en-US"/>
               <a:pPr/>
-              <a:t>27/09/2023</a:t>
+              <a:t>6/20/2024</a:t>
             </a:fld>
             <a:endParaRPr lang="en-US"/>
           </a:p>
@@ -1099,7 +1098,7 @@
             <a:fld id="{1D8BD707-D9CF-40AE-B4C6-C98DA3205C09}" type="datetimeFigureOut">
               <a:rPr lang="en-US"/>
               <a:pPr/>
-              <a:t>27/09/2023</a:t>
+              <a:t>6/20/2024</a:t>
             </a:fld>
             <a:endParaRPr lang="en-US"/>
           </a:p>
@@ -1250,7 +1249,7 @@
             <a:fld id="{1D8BD707-D9CF-40AE-B4C6-C98DA3205C09}" type="datetimeFigureOut">
               <a:rPr lang="en-US"/>
               <a:pPr/>
-              <a:t>27/09/2023</a:t>
+              <a:t>6/20/2024</a:t>
             </a:fld>
             <a:endParaRPr lang="en-US"/>
           </a:p>
@@ -1372,7 +1371,7 @@
             <a:fld id="{1D8BD707-D9CF-40AE-B4C6-C98DA3205C09}" type="datetimeFigureOut">
               <a:rPr lang="en-US"/>
               <a:pPr/>
-              <a:t>27/09/2023</a:t>
+              <a:t>6/20/2024</a:t>
             </a:fld>
             <a:endParaRPr lang="en-US"/>
           </a:p>
@@ -2561,7 +2560,7 @@
             <a:fld id="{1D8BD707-D9CF-40AE-B4C6-C98DA3205C09}" type="datetimeFigureOut">
               <a:rPr lang="en-US"/>
               <a:pPr/>
-              <a:t>27/09/2023</a:t>
+              <a:t>6/20/2024</a:t>
             </a:fld>
             <a:endParaRPr lang="en-US"/>
           </a:p>
@@ -3033,7 +3032,7 @@
           <a:blip r:embed="rId3" cstate="print">
             <a:extLst>
               <a:ext uri="{28A0092B-C50C-407E-A947-70E740481C1C}">
-                <a14:useLocalDpi xmlns:a14="http://schemas.microsoft.com/office/drawing/2010/main" xmlns="" val="0"/>
+                <a14:useLocalDpi xmlns:a14="http://schemas.microsoft.com/office/drawing/2010/main" val="0"/>
               </a:ext>
             </a:extLst>
           </a:blip>
@@ -4004,49 +4003,49 @@
               </a:spcBef>
             </a:pPr>
             <a:r>
-              <a:rPr lang="en-US" sz="1400" spc="-5" dirty="0" err="1" smtClean="0">
+              <a:rPr lang="en-US" sz="1400" spc="-5" dirty="0" err="1">
                 <a:cs typeface="Palladio Uralic"/>
               </a:rPr>
               <a:t>H.No</a:t>
             </a:r>
             <a:r>
-              <a:rPr lang="en-US" sz="1400" spc="-5" dirty="0" smtClean="0">
+              <a:rPr lang="en-US" sz="1400" spc="-5" dirty="0">
                 <a:cs typeface="Palladio Uralic"/>
               </a:rPr>
               <a:t>: 2-1-283, Plot No: 86,    </a:t>
             </a:r>
             <a:r>
-              <a:rPr sz="1400" spc="-5" smtClean="0">
+              <a:rPr sz="1400" spc="-5">
                 <a:cs typeface="Palladio Uralic"/>
               </a:rPr>
               <a:t> </a:t>
             </a:r>
             <a:r>
-              <a:rPr lang="en-US" sz="1400" spc="-5" dirty="0" smtClean="0">
+              <a:rPr lang="en-US" sz="1400" spc="-5" dirty="0">
                 <a:cs typeface="Palladio Uralic"/>
               </a:rPr>
               <a:t>4</a:t>
             </a:r>
             <a:r>
-              <a:rPr lang="en-US" sz="1400" spc="-5" baseline="30000" dirty="0" smtClean="0">
+              <a:rPr lang="en-US" sz="1400" spc="-5" baseline="30000" dirty="0">
                 <a:cs typeface="Palladio Uralic"/>
               </a:rPr>
               <a:t>th</a:t>
             </a:r>
             <a:r>
-              <a:rPr lang="en-US" sz="1400" spc="-5" dirty="0" smtClean="0">
+              <a:rPr lang="en-US" sz="1400" spc="-5" dirty="0">
                 <a:cs typeface="Palladio Uralic"/>
               </a:rPr>
               <a:t> Floor</a:t>
             </a:r>
             <a:r>
-              <a:rPr sz="1400" spc="-5" smtClean="0">
+              <a:rPr sz="1400" spc="-5">
                 <a:cs typeface="Palladio Uralic"/>
               </a:rPr>
               <a:t>,  </a:t>
             </a:r>
             <a:r>
-              <a:rPr lang="en-US" sz="1400" spc="-5" dirty="0" smtClean="0">
+              <a:rPr lang="en-US" sz="1400" spc="-5" dirty="0">
                 <a:cs typeface="Palladio Uralic"/>
               </a:rPr>
               <a:t>Road No:7,</a:t>
@@ -4065,13 +4064,13 @@
               </a:spcBef>
             </a:pPr>
             <a:r>
-              <a:rPr lang="en-US" sz="1400" dirty="0" err="1" smtClean="0">
+              <a:rPr lang="en-US" sz="1400" dirty="0" err="1">
                 <a:cs typeface="Palladio Uralic"/>
               </a:rPr>
               <a:t>Mamatha</a:t>
             </a:r>
             <a:r>
-              <a:rPr lang="en-US" sz="1400" dirty="0" smtClean="0">
+              <a:rPr lang="en-US" sz="1400" dirty="0">
                 <a:cs typeface="Palladio Uralic"/>
               </a:rPr>
               <a:t> Nagar,</a:t>
@@ -4087,13 +4086,13 @@
               </a:lnSpc>
             </a:pPr>
             <a:r>
-              <a:rPr lang="en-US" sz="1400" spc="-5" dirty="0" err="1" smtClean="0">
+              <a:rPr lang="en-US" sz="1400" spc="-5" dirty="0" err="1">
                 <a:cs typeface="Palladio Uralic"/>
               </a:rPr>
               <a:t>Nagole</a:t>
             </a:r>
             <a:r>
-              <a:rPr sz="1400" spc="-5" smtClean="0">
+              <a:rPr sz="1400" spc="-5">
                 <a:cs typeface="Palladio Uralic"/>
               </a:rPr>
               <a:t>, </a:t>
@@ -4108,22 +4107,16 @@
               <a:rPr sz="1400" spc="-5">
                 <a:cs typeface="Palladio Uralic"/>
               </a:rPr>
-              <a:t>500 </a:t>
-            </a:r>
-            <a:r>
-              <a:rPr sz="1400" spc="-5" smtClean="0">
-                <a:cs typeface="Palladio Uralic"/>
-              </a:rPr>
-              <a:t>0</a:t>
-            </a:r>
-            <a:r>
-              <a:rPr lang="en-US" sz="1400" spc="-5" dirty="0" smtClean="0">
+              <a:t>500 0</a:t>
+            </a:r>
+            <a:r>
+              <a:rPr lang="en-US" sz="1400" spc="-5" dirty="0">
                 <a:cs typeface="Palladio Uralic"/>
               </a:rPr>
               <a:t>68.</a:t>
             </a:r>
             <a:r>
-              <a:rPr sz="1400" spc="-5" smtClean="0">
+              <a:rPr sz="1400" spc="-5">
                 <a:cs typeface="Palladio Uralic"/>
               </a:rPr>
               <a:t>  </a:t>
@@ -4551,13 +4544,13 @@
               <a:t>like </a:t>
             </a:r>
             <a:r>
-              <a:rPr lang="en-US" sz="1400" spc="-5" dirty="0" smtClean="0">
+              <a:rPr lang="en-US" sz="1400" spc="-5" dirty="0">
                 <a:cs typeface="Palladio Uralic"/>
               </a:rPr>
               <a:t> High rise Buildings,</a:t>
             </a:r>
             <a:r>
-              <a:rPr sz="1400" spc="-5" smtClean="0">
+              <a:rPr sz="1400" spc="-5">
                 <a:cs typeface="Palladio Uralic"/>
               </a:rPr>
               <a:t>Irrigation</a:t>
@@ -4765,34 +4758,28 @@
               <a:rPr sz="1400">
                 <a:cs typeface="Palladio Uralic"/>
               </a:rPr>
-              <a:t>, </a:t>
-            </a:r>
-            <a:r>
-              <a:rPr sz="1400" smtClean="0">
-                <a:cs typeface="Palladio Uralic"/>
-              </a:rPr>
-              <a:t>Tunnels</a:t>
-            </a:r>
-            <a:r>
-              <a:rPr lang="en-US" sz="1400" dirty="0" smtClean="0">
+              <a:t>, Tunnels</a:t>
+            </a:r>
+            <a:r>
+              <a:rPr lang="en-US" sz="1400" dirty="0">
                 <a:cs typeface="Palladio Uralic"/>
               </a:rPr>
               <a:t>, Industrial, </a:t>
             </a:r>
             <a:r>
-              <a:rPr lang="en-US" sz="1400" dirty="0" err="1" smtClean="0">
+              <a:rPr lang="en-US" sz="1400" dirty="0" err="1">
                 <a:cs typeface="Palladio Uralic"/>
               </a:rPr>
               <a:t>farbrications</a:t>
             </a:r>
             <a:r>
-              <a:rPr lang="en-US" sz="1400" dirty="0" smtClean="0">
+              <a:rPr lang="en-US" sz="1400" dirty="0">
                 <a:cs typeface="Palladio Uralic"/>
               </a:rPr>
               <a:t> &amp; Buildings, </a:t>
             </a:r>
             <a:r>
-              <a:rPr sz="1400" spc="-5" smtClean="0">
+              <a:rPr sz="1400" spc="-5">
                 <a:cs typeface="Palladio Uralic"/>
               </a:rPr>
               <a:t>etc</a:t>
@@ -5943,7 +5930,7 @@
         <p:spPr>
           <a:xfrm>
             <a:off x="1060420" y="1939516"/>
-            <a:ext cx="8469716" cy="5731056"/>
+            <a:ext cx="8469716" cy="6462025"/>
           </a:xfrm>
           <a:prstGeom prst="rect">
             <a:avLst/>
@@ -5972,7 +5959,7 @@
                 <a:tab pos="350520" algn="l"/>
               </a:tabLst>
             </a:pPr>
-            <a:endParaRPr lang="en-US" sz="1400" spc="-5" dirty="0" smtClean="0">
+            <a:endParaRPr lang="en-US" sz="1400" spc="-5" dirty="0">
               <a:cs typeface="Palladio Uralic"/>
             </a:endParaRPr>
           </a:p>
@@ -5995,49 +5982,37 @@
               </a:tabLst>
             </a:pPr>
             <a:r>
-              <a:rPr lang="en-US" sz="1400" spc="-5" dirty="0" smtClean="0">
+              <a:rPr lang="en-US" sz="1400" spc="-5" dirty="0">
                 <a:cs typeface="Palladio Uralic"/>
               </a:rPr>
               <a:t>“</a:t>
             </a:r>
             <a:r>
-              <a:rPr lang="en-US" sz="1400" spc="-5" dirty="0" err="1" smtClean="0">
+              <a:rPr lang="en-US" sz="1400" spc="-5" dirty="0" err="1">
                 <a:cs typeface="Palladio Uralic"/>
               </a:rPr>
               <a:t>Sitamma</a:t>
             </a:r>
             <a:r>
-              <a:rPr lang="en-US" sz="1400" spc="-5" dirty="0" smtClean="0">
+              <a:rPr lang="en-US" sz="1400" spc="-5" dirty="0">
+                <a:cs typeface="Palladio Uralic"/>
+              </a:rPr>
+              <a:t> Sagar Multi-Purpose Project– Construction of Guide Bund at Right Bank stretch RAB1 for Earth Dam catch drain Including CM and CD works on back-to-back basis for an amount of</a:t>
+            </a:r>
+            <a:r>
+              <a:rPr lang="en-US" sz="1400" spc="245" dirty="0">
                 <a:cs typeface="Palladio Uralic"/>
               </a:rPr>
               <a:t> </a:t>
             </a:r>
             <a:r>
-              <a:rPr lang="en-US" sz="1400" spc="-5" dirty="0" err="1" smtClean="0">
-                <a:cs typeface="Palladio Uralic"/>
-              </a:rPr>
-              <a:t>Sagar</a:t>
-            </a:r>
-            <a:r>
-              <a:rPr lang="en-US" sz="1400" spc="-5" dirty="0" smtClean="0">
-                <a:cs typeface="Palladio Uralic"/>
-              </a:rPr>
-              <a:t> Multi-Purpose Project– Construction of Guide Bund at Right Bank stretch RAB1 for Earth Dam catch drain Including CM and CD works on back-to-back basis for an amount of</a:t>
-            </a:r>
-            <a:r>
-              <a:rPr lang="en-US" sz="1400" spc="245" dirty="0" smtClean="0">
-                <a:cs typeface="Palladio Uralic"/>
-              </a:rPr>
-              <a:t> </a:t>
-            </a:r>
-            <a:r>
-              <a:rPr lang="en-US" sz="1400" b="1" spc="-5" dirty="0" smtClean="0">
+              <a:rPr lang="en-US" sz="1400" b="1" spc="-5" dirty="0">
                 <a:cs typeface="Palladio Uralic"/>
               </a:rPr>
               <a:t>Rs.124,71,36,396.00 </a:t>
             </a:r>
             <a:r>
-              <a:rPr lang="en-US" sz="1400" spc="-5" dirty="0" smtClean="0">
+              <a:rPr lang="en-US" sz="1400" spc="-5" dirty="0">
                 <a:cs typeface="Palladio Uralic"/>
               </a:rPr>
               <a:t>(Sub Contract from L&amp;T Construction Heavy Civil Infrastructure)</a:t>
@@ -6061,7 +6036,7 @@
                 <a:tab pos="350520" algn="l"/>
               </a:tabLst>
             </a:pPr>
-            <a:endParaRPr lang="en-US" sz="1400" dirty="0" smtClean="0">
+            <a:endParaRPr lang="en-US" sz="1400" spc="-5" dirty="0">
               <a:cs typeface="Palladio Uralic"/>
             </a:endParaRPr>
           </a:p>
@@ -6084,118 +6059,28 @@
               </a:tabLst>
             </a:pPr>
             <a:r>
-              <a:rPr lang="en-US" sz="1400" spc="-5" dirty="0" smtClean="0">
-                <a:cs typeface="Palladio Uralic"/>
-              </a:rPr>
-              <a:t>“</a:t>
-            </a:r>
-            <a:r>
-              <a:rPr lang="en-US" sz="1400" spc="-5" dirty="0" err="1" smtClean="0">
-                <a:cs typeface="Palladio Uralic"/>
-              </a:rPr>
-              <a:t>Kaleshwaram</a:t>
-            </a:r>
-            <a:r>
-              <a:rPr lang="en-US" sz="1400" spc="-5" dirty="0" smtClean="0">
-                <a:cs typeface="Palladio Uralic"/>
-              </a:rPr>
-              <a:t> Project – Construction of </a:t>
-            </a:r>
-            <a:r>
-              <a:rPr lang="en-US" sz="1400" spc="-5" dirty="0" err="1" smtClean="0">
-                <a:cs typeface="Palladio Uralic"/>
-              </a:rPr>
-              <a:t>Jagdevpur</a:t>
-            </a:r>
-            <a:r>
-              <a:rPr lang="en-US" sz="1400" spc="-5" dirty="0" smtClean="0">
-                <a:cs typeface="Palladio Uralic"/>
-              </a:rPr>
-              <a:t> Canal System Including </a:t>
-            </a:r>
-            <a:r>
-              <a:rPr lang="en-US" sz="1400" spc="-5" dirty="0" err="1" smtClean="0">
-                <a:cs typeface="Palladio Uralic"/>
-              </a:rPr>
-              <a:t>Distributory</a:t>
-            </a:r>
-            <a:r>
-              <a:rPr lang="en-US" sz="1400" spc="-5" dirty="0" smtClean="0">
-                <a:cs typeface="Palladio Uralic"/>
-              </a:rPr>
-              <a:t> network </a:t>
-            </a:r>
-            <a:r>
-              <a:rPr lang="en-US" sz="1400" spc="-50" dirty="0" smtClean="0">
-                <a:cs typeface="Palladio Uralic"/>
-              </a:rPr>
-              <a:t>for  </a:t>
-            </a:r>
-            <a:r>
-              <a:rPr lang="en-US" sz="1400" spc="-5" dirty="0" smtClean="0">
-                <a:cs typeface="Palladio Uralic"/>
-              </a:rPr>
-              <a:t>irrigating an </a:t>
-            </a:r>
-            <a:r>
-              <a:rPr lang="en-US" sz="1400" spc="-5" dirty="0" err="1" smtClean="0">
-                <a:cs typeface="Palladio Uralic"/>
-              </a:rPr>
-              <a:t>ayacut</a:t>
-            </a:r>
-            <a:r>
-              <a:rPr lang="en-US" sz="1400" spc="-5" dirty="0" smtClean="0">
-                <a:cs typeface="Palladio Uralic"/>
-              </a:rPr>
-              <a:t> of 12838 Ac under </a:t>
-            </a:r>
-            <a:r>
-              <a:rPr lang="en-US" sz="1400" spc="-5" dirty="0" err="1" smtClean="0">
-                <a:cs typeface="Palladio Uralic"/>
-              </a:rPr>
-              <a:t>Kondapochamma</a:t>
-            </a:r>
-            <a:r>
-              <a:rPr lang="en-US" sz="1400" spc="-5" dirty="0" smtClean="0">
-                <a:cs typeface="Palladio Uralic"/>
-              </a:rPr>
-              <a:t> </a:t>
-            </a:r>
-            <a:r>
-              <a:rPr lang="en-US" sz="1400" spc="-5" dirty="0" err="1" smtClean="0">
-                <a:cs typeface="Palladio Uralic"/>
-              </a:rPr>
-              <a:t>Sagar</a:t>
-            </a:r>
-            <a:r>
-              <a:rPr lang="en-US" sz="1400" spc="-5" dirty="0" smtClean="0">
-                <a:cs typeface="Palladio Uralic"/>
-              </a:rPr>
-              <a:t> – </a:t>
-            </a:r>
-            <a:r>
-              <a:rPr lang="en-US" sz="1400" spc="-5" dirty="0" err="1" smtClean="0">
-                <a:cs typeface="Palladio Uralic"/>
-              </a:rPr>
-              <a:t>Siddipet</a:t>
-            </a:r>
-            <a:r>
-              <a:rPr lang="en-US" sz="1400" spc="-5" dirty="0" smtClean="0">
-                <a:cs typeface="Palladio Uralic"/>
-              </a:rPr>
-              <a:t> Dist” as per the technical  specifications to the Subcontractor hereto on back-to-back basis for an amount of</a:t>
-            </a:r>
-            <a:r>
-              <a:rPr lang="en-US" sz="1400" spc="245" dirty="0" smtClean="0">
-                <a:cs typeface="Palladio Uralic"/>
-              </a:rPr>
-              <a:t> </a:t>
-            </a:r>
-            <a:r>
-              <a:rPr lang="en-US" sz="1400" b="1" spc="-5" dirty="0" smtClean="0">
-                <a:cs typeface="Palladio Uralic"/>
-              </a:rPr>
-              <a:t>Rs.103,01,69,641.00 </a:t>
+              <a:rPr lang="en-US" sz="1400" spc="-5" dirty="0">
+                <a:cs typeface="Palladio Uralic"/>
+              </a:rPr>
+              <a:t>Rate  contract for Execution of Civil and Structural works at </a:t>
+            </a:r>
+            <a:r>
+              <a:rPr lang="en-US" sz="1400" spc="-5" dirty="0" err="1">
+                <a:cs typeface="Palladio Uralic"/>
+              </a:rPr>
+              <a:t>Numaligarh</a:t>
+            </a:r>
+            <a:r>
+              <a:rPr lang="en-US" sz="1400" spc="-5" dirty="0">
+                <a:cs typeface="Palladio Uralic"/>
+              </a:rPr>
+              <a:t> Refinery Expansion Project, Assam for an amount of </a:t>
+            </a:r>
+            <a:r>
+              <a:rPr lang="en-US" sz="1400" b="1" spc="-5" dirty="0">
+                <a:cs typeface="Palladio Uralic"/>
+              </a:rPr>
+              <a:t>Rs 90,00,00,000.00 ( Client – NRL )</a:t>
             </a:r>
           </a:p>
           <a:p>
@@ -6216,24 +6101,9 @@
                 <a:tab pos="350520" algn="l"/>
               </a:tabLst>
             </a:pPr>
-            <a:r>
-              <a:rPr lang="en-US" sz="1400" spc="-5" dirty="0" smtClean="0">
-                <a:cs typeface="Palladio Uralic"/>
-              </a:rPr>
-              <a:t>( Client of </a:t>
-            </a:r>
-            <a:r>
-              <a:rPr lang="en-US" sz="1400" spc="-5" dirty="0" err="1" smtClean="0">
-                <a:cs typeface="Palladio Uralic"/>
-              </a:rPr>
-              <a:t>Megha</a:t>
-            </a:r>
-            <a:r>
-              <a:rPr lang="en-US" sz="1400" spc="-5" dirty="0" smtClean="0">
-                <a:cs typeface="Palladio Uralic"/>
-              </a:rPr>
-              <a:t> Engineering &amp; Infrastructure  Limited )</a:t>
-            </a:r>
+            <a:endParaRPr lang="en-US" sz="1400" b="1" spc="-5" dirty="0">
+              <a:cs typeface="Palladio Uralic"/>
+            </a:endParaRPr>
           </a:p>
           <a:p>
             <a:pPr marL="361950" marR="83185" indent="-285750" algn="just">
@@ -6253,9 +6123,36 @@
                 <a:tab pos="350520" algn="l"/>
               </a:tabLst>
             </a:pPr>
-            <a:endParaRPr lang="en-US" sz="1400" dirty="0" smtClean="0">
-              <a:cs typeface="Palladio Uralic"/>
-            </a:endParaRPr>
+            <a:r>
+              <a:rPr lang="en-US" sz="1400" b="1" spc="-5" dirty="0">
+                <a:cs typeface="Palladio Uralic"/>
+              </a:rPr>
+              <a:t>“</a:t>
+            </a:r>
+            <a:r>
+              <a:rPr lang="en-US" sz="1400" spc="-5" dirty="0">
+                <a:cs typeface="Palladio Uralic"/>
+              </a:rPr>
+              <a:t>Civil, Structural Works for </a:t>
+            </a:r>
+            <a:r>
+              <a:rPr lang="en-US" sz="1400" spc="-5" dirty="0" err="1">
+                <a:cs typeface="Palladio Uralic"/>
+              </a:rPr>
+              <a:t>Numaligarh</a:t>
+            </a:r>
+            <a:r>
+              <a:rPr lang="en-US" sz="1400" spc="-5" dirty="0">
+                <a:cs typeface="Palladio Uralic"/>
+              </a:rPr>
+              <a:t> Refinery Expansion Project, Assam for an amount of </a:t>
+            </a:r>
+            <a:r>
+              <a:rPr lang="en-US" sz="1400" b="1" spc="-5" dirty="0">
+                <a:cs typeface="Palladio Uralic"/>
+              </a:rPr>
+              <a:t>Rs 1,10,00,00,000.00 ( Client – NRL )</a:t>
+            </a:r>
           </a:p>
           <a:p>
             <a:pPr marL="361950" marR="83185" indent="-285750" algn="just">
@@ -6275,73 +6172,7 @@
                 <a:tab pos="350520" algn="l"/>
               </a:tabLst>
             </a:pPr>
-            <a:r>
-              <a:rPr lang="en-US" sz="1400" spc="-5" dirty="0" smtClean="0">
-                <a:cs typeface="Palladio Uralic"/>
-              </a:rPr>
-              <a:t>“Supply and Constructions of Ash Pond and Allied services at </a:t>
-            </a:r>
-            <a:r>
-              <a:rPr lang="en-US" sz="1400" spc="-5" dirty="0" err="1" smtClean="0">
-                <a:cs typeface="Palladio Uralic"/>
-              </a:rPr>
-              <a:t>Talcher</a:t>
-            </a:r>
-            <a:r>
-              <a:rPr lang="en-US" sz="1400" spc="-5" dirty="0" smtClean="0">
-                <a:cs typeface="Palladio Uralic"/>
-              </a:rPr>
-              <a:t> Fertilizers Limited, </a:t>
-            </a:r>
-            <a:r>
-              <a:rPr lang="en-US" sz="1400" spc="-5" dirty="0" err="1" smtClean="0">
-                <a:cs typeface="Palladio Uralic"/>
-              </a:rPr>
-              <a:t>Talcher</a:t>
-            </a:r>
-            <a:r>
-              <a:rPr lang="en-US" sz="1400" spc="-5" dirty="0" smtClean="0">
-                <a:cs typeface="Palladio Uralic"/>
-              </a:rPr>
-              <a:t>, </a:t>
-            </a:r>
-            <a:r>
-              <a:rPr lang="en-US" sz="1400" spc="-5" dirty="0" err="1" smtClean="0">
-                <a:cs typeface="Palladio Uralic"/>
-              </a:rPr>
-              <a:t>Angul</a:t>
-            </a:r>
-            <a:r>
-              <a:rPr lang="en-US" sz="1400" spc="-5" dirty="0" smtClean="0">
-                <a:cs typeface="Palladio Uralic"/>
-              </a:rPr>
-              <a:t> Dist, </a:t>
-            </a:r>
-            <a:r>
-              <a:rPr lang="en-US" sz="1400" spc="-5" dirty="0" err="1" smtClean="0">
-                <a:cs typeface="Palladio Uralic"/>
-              </a:rPr>
-              <a:t>Odisha</a:t>
-            </a:r>
-            <a:r>
-              <a:rPr lang="en-US" sz="1400" spc="-5" dirty="0" smtClean="0">
-                <a:cs typeface="Palladio Uralic"/>
-              </a:rPr>
-              <a:t>  for an amount of</a:t>
-            </a:r>
-            <a:r>
-              <a:rPr lang="en-US" sz="1400" spc="245" dirty="0" smtClean="0">
-                <a:cs typeface="Palladio Uralic"/>
-              </a:rPr>
-              <a:t> </a:t>
-            </a:r>
-            <a:r>
-              <a:rPr lang="en-US" sz="1400" b="1" spc="-5" dirty="0" smtClean="0">
-                <a:cs typeface="Palladio Uralic"/>
-              </a:rPr>
-              <a:t>Rs. 61,22,31,172.00</a:t>
-            </a:r>
-            <a:endParaRPr lang="en-US" sz="1400" dirty="0" smtClean="0">
+            <a:endParaRPr lang="en-US" sz="1400" dirty="0">
               <a:cs typeface="Palladio Uralic"/>
             </a:endParaRPr>
           </a:p>
@@ -6363,9 +6194,120 @@
                 <a:tab pos="350520" algn="l"/>
               </a:tabLst>
             </a:pPr>
-            <a:endParaRPr lang="en-US" sz="1400" spc="-5" dirty="0" smtClean="0">
-              <a:cs typeface="Palladio Uralic"/>
-            </a:endParaRPr>
+            <a:r>
+              <a:rPr lang="en-US" sz="1400" spc="-5" dirty="0">
+                <a:cs typeface="Palladio Uralic"/>
+              </a:rPr>
+              <a:t>“</a:t>
+            </a:r>
+            <a:r>
+              <a:rPr lang="en-US" sz="1400" spc="-5" dirty="0" err="1">
+                <a:cs typeface="Palladio Uralic"/>
+              </a:rPr>
+              <a:t>Kaleshwaram</a:t>
+            </a:r>
+            <a:r>
+              <a:rPr lang="en-US" sz="1400" spc="-5" dirty="0">
+                <a:cs typeface="Palladio Uralic"/>
+              </a:rPr>
+              <a:t> Project – Construction of </a:t>
+            </a:r>
+            <a:r>
+              <a:rPr lang="en-US" sz="1400" spc="-5" dirty="0" err="1">
+                <a:cs typeface="Palladio Uralic"/>
+              </a:rPr>
+              <a:t>Jagdevpur</a:t>
+            </a:r>
+            <a:r>
+              <a:rPr lang="en-US" sz="1400" spc="-5" dirty="0">
+                <a:cs typeface="Palladio Uralic"/>
+              </a:rPr>
+              <a:t> Canal System Including </a:t>
+            </a:r>
+            <a:r>
+              <a:rPr lang="en-US" sz="1400" spc="-5" dirty="0" err="1">
+                <a:cs typeface="Palladio Uralic"/>
+              </a:rPr>
+              <a:t>Distributory</a:t>
+            </a:r>
+            <a:r>
+              <a:rPr lang="en-US" sz="1400" spc="-5" dirty="0">
+                <a:cs typeface="Palladio Uralic"/>
+              </a:rPr>
+              <a:t> network </a:t>
+            </a:r>
+            <a:r>
+              <a:rPr lang="en-US" sz="1400" spc="-50" dirty="0">
+                <a:cs typeface="Palladio Uralic"/>
+              </a:rPr>
+              <a:t>for  </a:t>
+            </a:r>
+            <a:r>
+              <a:rPr lang="en-US" sz="1400" spc="-5" dirty="0">
+                <a:cs typeface="Palladio Uralic"/>
+              </a:rPr>
+              <a:t>irrigating an </a:t>
+            </a:r>
+            <a:r>
+              <a:rPr lang="en-US" sz="1400" spc="-5" dirty="0" err="1">
+                <a:cs typeface="Palladio Uralic"/>
+              </a:rPr>
+              <a:t>ayacut</a:t>
+            </a:r>
+            <a:r>
+              <a:rPr lang="en-US" sz="1400" spc="-5" dirty="0">
+                <a:cs typeface="Palladio Uralic"/>
+              </a:rPr>
+              <a:t> of 12838 Ac under </a:t>
+            </a:r>
+            <a:r>
+              <a:rPr lang="en-US" sz="1400" spc="-5" dirty="0" err="1">
+                <a:cs typeface="Palladio Uralic"/>
+              </a:rPr>
+              <a:t>Kondapochamma</a:t>
+            </a:r>
+            <a:r>
+              <a:rPr lang="en-US" sz="1400" spc="-5" dirty="0">
+                <a:cs typeface="Palladio Uralic"/>
+              </a:rPr>
+              <a:t> </a:t>
+            </a:r>
+            <a:r>
+              <a:rPr lang="en-US" sz="1400" spc="-5" dirty="0" err="1">
+                <a:cs typeface="Palladio Uralic"/>
+              </a:rPr>
+              <a:t>Sagar</a:t>
+            </a:r>
+            <a:r>
+              <a:rPr lang="en-US" sz="1400" spc="-5" dirty="0">
+                <a:cs typeface="Palladio Uralic"/>
+              </a:rPr>
+              <a:t> – </a:t>
+            </a:r>
+            <a:r>
+              <a:rPr lang="en-US" sz="1400" spc="-5" dirty="0" err="1">
+                <a:cs typeface="Palladio Uralic"/>
+              </a:rPr>
+              <a:t>Siddipet</a:t>
+            </a:r>
+            <a:r>
+              <a:rPr lang="en-US" sz="1400" spc="-5" dirty="0">
+                <a:cs typeface="Palladio Uralic"/>
+              </a:rPr>
+              <a:t> Dist” as per the technical  specifications to the Subcontractor hereto on back-to-back basis for an amount of</a:t>
+            </a:r>
+            <a:r>
+              <a:rPr lang="en-US" sz="1400" spc="245" dirty="0">
+                <a:cs typeface="Palladio Uralic"/>
+              </a:rPr>
+              <a:t> </a:t>
+            </a:r>
+            <a:r>
+              <a:rPr lang="en-US" sz="1400" b="1" spc="-5" dirty="0">
+                <a:cs typeface="Palladio Uralic"/>
+              </a:rPr>
+              <a:t>Rs.103,01,69,641.00 </a:t>
+            </a:r>
           </a:p>
           <a:p>
             <a:pPr marL="361950" marR="83185" indent="-285750" algn="just">
@@ -6386,118 +6328,22 @@
               </a:tabLst>
             </a:pPr>
             <a:r>
-              <a:rPr lang="en-US" sz="1400" spc="-5" dirty="0" smtClean="0">
-                <a:cs typeface="Palladio Uralic"/>
-              </a:rPr>
-              <a:t>“Modernization of </a:t>
-            </a:r>
-            <a:r>
-              <a:rPr lang="en-US" sz="1400" spc="-5" dirty="0" err="1" smtClean="0">
-                <a:cs typeface="Palladio Uralic"/>
-              </a:rPr>
-              <a:t>Vengalaraya</a:t>
-            </a:r>
-            <a:r>
-              <a:rPr lang="en-US" sz="1400" spc="-5" dirty="0" smtClean="0">
-                <a:cs typeface="Palladio Uralic"/>
-              </a:rPr>
-              <a:t> </a:t>
-            </a:r>
-            <a:r>
-              <a:rPr lang="en-US" sz="1400" spc="-5" dirty="0" err="1" smtClean="0">
-                <a:cs typeface="Palladio Uralic"/>
-              </a:rPr>
-              <a:t>sagaram</a:t>
-            </a:r>
-            <a:r>
-              <a:rPr lang="en-US" sz="1400" spc="-5" dirty="0" smtClean="0">
-                <a:cs typeface="Palladio Uralic"/>
-              </a:rPr>
-              <a:t> Project in </a:t>
-            </a:r>
-            <a:r>
-              <a:rPr lang="en-US" sz="1400" spc="-5" dirty="0" err="1" smtClean="0">
-                <a:cs typeface="Palladio Uralic"/>
-              </a:rPr>
-              <a:t>Laxmipuram</a:t>
-            </a:r>
-            <a:r>
-              <a:rPr lang="en-US" sz="1400" spc="-5" dirty="0" smtClean="0">
-                <a:cs typeface="Palladio Uralic"/>
-              </a:rPr>
-              <a:t> </a:t>
-            </a:r>
-            <a:r>
-              <a:rPr lang="en-US" sz="1400" spc="-5" dirty="0" err="1" smtClean="0">
-                <a:cs typeface="Palladio Uralic"/>
-              </a:rPr>
-              <a:t>villiage</a:t>
-            </a:r>
-            <a:r>
-              <a:rPr lang="en-US" sz="1400" spc="-5" dirty="0" smtClean="0">
-                <a:cs typeface="Palladio Uralic"/>
-              </a:rPr>
-              <a:t> in </a:t>
-            </a:r>
-            <a:r>
-              <a:rPr lang="en-US" sz="1400" spc="-5" dirty="0" err="1" smtClean="0">
-                <a:cs typeface="Palladio Uralic"/>
-              </a:rPr>
-              <a:t>Saluru</a:t>
-            </a:r>
-            <a:r>
-              <a:rPr lang="en-US" sz="1400" spc="-5" dirty="0" smtClean="0">
-                <a:cs typeface="Palladio Uralic"/>
-              </a:rPr>
-              <a:t>, </a:t>
-            </a:r>
-            <a:r>
-              <a:rPr lang="en-US" sz="1400" spc="-5" dirty="0" err="1" smtClean="0">
-                <a:cs typeface="Palladio Uralic"/>
-              </a:rPr>
-              <a:t>Vizianagaram</a:t>
-            </a:r>
-            <a:r>
-              <a:rPr lang="en-US" sz="1400" spc="-5" dirty="0" smtClean="0">
-                <a:cs typeface="Palladio Uralic"/>
-              </a:rPr>
-              <a:t> District, AP  work on back-to-back basis for an amount of</a:t>
-            </a:r>
-            <a:r>
-              <a:rPr lang="en-US" sz="1400" spc="245" dirty="0" smtClean="0">
-                <a:cs typeface="Palladio Uralic"/>
-              </a:rPr>
-              <a:t> </a:t>
-            </a:r>
-            <a:r>
-              <a:rPr lang="en-US" sz="1400" b="1" spc="-5" dirty="0" smtClean="0">
-                <a:cs typeface="Palladio Uralic"/>
-              </a:rPr>
-              <a:t>Rs.59,76,91,240.00 </a:t>
-            </a:r>
-            <a:r>
-              <a:rPr lang="en-US" sz="1400" spc="-5" dirty="0" smtClean="0">
-                <a:cs typeface="Palladio Uralic"/>
-              </a:rPr>
-              <a:t>(from SKR Construction- </a:t>
-            </a:r>
-            <a:r>
-              <a:rPr lang="en-US" sz="1400" spc="-5" dirty="0" err="1" smtClean="0">
-                <a:cs typeface="Palladio Uralic"/>
-              </a:rPr>
-              <a:t>Rajpadma</a:t>
-            </a:r>
-            <a:r>
-              <a:rPr lang="en-US" sz="1400" spc="-5" dirty="0" smtClean="0">
-                <a:cs typeface="Palladio Uralic"/>
-              </a:rPr>
-              <a:t> In Corp (JV) </a:t>
-            </a:r>
-            <a:r>
-              <a:rPr lang="en-US" sz="1400" spc="-5" dirty="0" smtClean="0">
-                <a:cs typeface="Palladio Uralic"/>
-              </a:rPr>
-              <a:t>)</a:t>
+              <a:rPr lang="en-US" sz="1400" spc="-5" dirty="0">
+                <a:cs typeface="Palladio Uralic"/>
+              </a:rPr>
+              <a:t>( Client of </a:t>
+            </a:r>
+            <a:r>
+              <a:rPr lang="en-US" sz="1400" spc="-5" dirty="0" err="1">
+                <a:cs typeface="Palladio Uralic"/>
+              </a:rPr>
+              <a:t>Megha</a:t>
+            </a:r>
+            <a:r>
+              <a:rPr lang="en-US" sz="1400" spc="-5" dirty="0">
+                <a:cs typeface="Palladio Uralic"/>
+              </a:rPr>
+              <a:t> Engineering &amp; Infrastructure  Limited )</a:t>
             </a:r>
           </a:p>
           <a:p>
@@ -6518,7 +6364,7 @@
                 <a:tab pos="350520" algn="l"/>
               </a:tabLst>
             </a:pPr>
-            <a:endParaRPr lang="en-US" sz="1400" spc="-5" dirty="0" smtClean="0">
+            <a:endParaRPr lang="en-US" sz="1400" dirty="0">
               <a:cs typeface="Palladio Uralic"/>
             </a:endParaRPr>
           </a:p>
@@ -6541,89 +6387,74 @@
               </a:tabLst>
             </a:pPr>
             <a:r>
-              <a:rPr lang="en-US" sz="1400" spc="-5" dirty="0" smtClean="0">
-                <a:cs typeface="Palladio Uralic"/>
-              </a:rPr>
-              <a:t>“Construction </a:t>
-            </a:r>
-            <a:r>
-              <a:rPr lang="en-US" sz="1400" spc="-5" dirty="0" smtClean="0">
-                <a:cs typeface="Palladio Uralic"/>
-              </a:rPr>
-              <a:t>of  Residential High rise building of Basements 2 </a:t>
-            </a:r>
-            <a:r>
-              <a:rPr lang="en-US" sz="1400" spc="-5" dirty="0" err="1" smtClean="0">
-                <a:cs typeface="Palladio Uralic"/>
-              </a:rPr>
-              <a:t>Nos</a:t>
-            </a:r>
-            <a:r>
-              <a:rPr lang="en-US" sz="1400" spc="-5" dirty="0" smtClean="0">
-                <a:cs typeface="Palladio Uralic"/>
-              </a:rPr>
-              <a:t> ,(G+11) Floors with </a:t>
-            </a:r>
-            <a:r>
-              <a:rPr lang="en-US" sz="1400" spc="-5" dirty="0" err="1" smtClean="0">
-                <a:cs typeface="Palladio Uralic"/>
-              </a:rPr>
-              <a:t>Roads,swimming</a:t>
-            </a:r>
-            <a:r>
-              <a:rPr lang="en-US" sz="1400" spc="-5" dirty="0" smtClean="0">
-                <a:cs typeface="Palladio Uralic"/>
-              </a:rPr>
-              <a:t> pool, Security Kiosk, Library, Yoga hall, Health club, Gym, </a:t>
-            </a:r>
-            <a:r>
-              <a:rPr lang="en-US" sz="1400" spc="-5" dirty="0" err="1" smtClean="0">
-                <a:cs typeface="Palladio Uralic"/>
-              </a:rPr>
-              <a:t>Tabble</a:t>
-            </a:r>
-            <a:r>
-              <a:rPr lang="en-US" sz="1400" spc="-5" dirty="0" smtClean="0">
-                <a:cs typeface="Palladio Uralic"/>
-              </a:rPr>
-              <a:t> tennis &amp; Badminton courts, Jogging tracks, Banquet Hall with Lawn, Cellar parking ,All round Solar Fencing, Electrical works at </a:t>
-            </a:r>
-            <a:r>
-              <a:rPr lang="en-US" sz="1400" spc="-5" dirty="0" err="1" smtClean="0">
-                <a:cs typeface="Palladio Uralic"/>
-              </a:rPr>
-              <a:t>Gollapudi</a:t>
-            </a:r>
-            <a:r>
-              <a:rPr lang="en-US" sz="1400" spc="-5" dirty="0" smtClean="0">
-                <a:cs typeface="Palladio Uralic"/>
-              </a:rPr>
-              <a:t>, Vijayawada, </a:t>
-            </a:r>
-            <a:r>
-              <a:rPr lang="en-US" sz="1400" spc="-5" dirty="0" smtClean="0">
-                <a:cs typeface="Palladio Uralic"/>
-              </a:rPr>
-              <a:t>AP.-</a:t>
-            </a:r>
-            <a:r>
-              <a:rPr lang="en-US" sz="1400" dirty="0" smtClean="0"/>
-              <a:t>Rs </a:t>
-            </a:r>
-            <a:r>
-              <a:rPr lang="en-US" sz="1400" b="1" dirty="0" smtClean="0"/>
-              <a:t>68,84,29,852</a:t>
-            </a:r>
-            <a:r>
-              <a:rPr lang="en-US" sz="1400" dirty="0" smtClean="0"/>
+              <a:rPr lang="en-US" sz="1400" spc="-5" dirty="0">
+                <a:cs typeface="Palladio Uralic"/>
+              </a:rPr>
+              <a:t>“Supply and Constructions of Ash Pond and Allied services at </a:t>
+            </a:r>
+            <a:r>
+              <a:rPr lang="en-US" sz="1400" spc="-5" dirty="0" err="1">
+                <a:cs typeface="Palladio Uralic"/>
+              </a:rPr>
+              <a:t>Talcher</a:t>
+            </a:r>
+            <a:r>
+              <a:rPr lang="en-US" sz="1400" spc="-5" dirty="0">
+                <a:cs typeface="Palladio Uralic"/>
+              </a:rPr>
+              <a:t> Fertilizers Limited, </a:t>
+            </a:r>
+            <a:r>
+              <a:rPr lang="en-US" sz="1400" spc="-5" dirty="0" err="1">
+                <a:cs typeface="Palladio Uralic"/>
+              </a:rPr>
+              <a:t>Talcher</a:t>
+            </a:r>
+            <a:r>
+              <a:rPr lang="en-US" sz="1400" spc="-5" dirty="0">
+                <a:cs typeface="Palladio Uralic"/>
+              </a:rPr>
+              <a:t>, </a:t>
+            </a:r>
+            <a:r>
+              <a:rPr lang="en-US" sz="1400" spc="-5" dirty="0" err="1">
+                <a:cs typeface="Palladio Uralic"/>
+              </a:rPr>
+              <a:t>Angul</a:t>
+            </a:r>
+            <a:r>
+              <a:rPr lang="en-US" sz="1400" spc="-5" dirty="0">
+                <a:cs typeface="Palladio Uralic"/>
+              </a:rPr>
+              <a:t> Dist, </a:t>
+            </a:r>
+            <a:r>
+              <a:rPr lang="en-US" sz="1400" spc="-5" dirty="0" err="1">
+                <a:cs typeface="Palladio Uralic"/>
+              </a:rPr>
+              <a:t>Odisha</a:t>
+            </a:r>
+            <a:r>
+              <a:rPr lang="en-US" sz="1400" spc="-5" dirty="0">
+                <a:cs typeface="Palladio Uralic"/>
+              </a:rPr>
+              <a:t>  for an amount of</a:t>
+            </a:r>
+            <a:r>
+              <a:rPr lang="en-US" sz="1400" spc="245" dirty="0">
+                <a:cs typeface="Palladio Uralic"/>
+              </a:rPr>
               <a:t> </a:t>
             </a:r>
             <a:r>
-              <a:rPr lang="en-US" sz="1400" spc="-5" dirty="0" smtClean="0">
-                <a:cs typeface="Palladio Uralic"/>
-              </a:rPr>
-              <a:t>”</a:t>
-            </a:r>
+              <a:rPr lang="en-US" sz="1400" b="1" spc="-5" dirty="0">
+                <a:cs typeface="Palladio Uralic"/>
+              </a:rPr>
+              <a:t>Rs. 61,22,31,172.00</a:t>
+            </a:r>
+            <a:endParaRPr lang="en-US" sz="1400" dirty="0">
+              <a:cs typeface="Palladio Uralic"/>
+            </a:endParaRPr>
           </a:p>
           <a:p>
             <a:pPr marL="361950" marR="83185" indent="-285750" algn="just">
@@ -6643,7 +6474,7 @@
                 <a:tab pos="350520" algn="l"/>
               </a:tabLst>
             </a:pPr>
-            <a:endParaRPr lang="en-US" sz="1400" spc="-5" dirty="0" smtClean="0">
+            <a:endParaRPr lang="en-US" sz="1400" spc="-5" dirty="0">
               <a:cs typeface="Palladio Uralic"/>
             </a:endParaRPr>
           </a:p>
@@ -6666,128 +6497,113 @@
               </a:tabLst>
             </a:pPr>
             <a:r>
-              <a:rPr lang="en-US" sz="1400" spc="-5" dirty="0" smtClean="0">
-                <a:cs typeface="Palladio Uralic"/>
-              </a:rPr>
-              <a:t>Earthwork Excavation, Cutting, Filling, Formation, Compaction and Carting away for formation of road, Drainage lines at Survey No.765, </a:t>
-            </a:r>
-            <a:r>
-              <a:rPr lang="en-US" sz="1400" spc="-5" dirty="0" err="1" smtClean="0">
-                <a:cs typeface="Palladio Uralic"/>
-              </a:rPr>
-              <a:t>Dandu</a:t>
-            </a:r>
-            <a:r>
-              <a:rPr lang="en-US" sz="1400" spc="-5" dirty="0" smtClean="0">
+              <a:rPr lang="en-US" sz="1400" spc="-5" dirty="0">
+                <a:cs typeface="Palladio Uralic"/>
+              </a:rPr>
+              <a:t>“Modernization of </a:t>
+            </a:r>
+            <a:r>
+              <a:rPr lang="en-US" sz="1400" spc="-5" dirty="0" err="1">
+                <a:cs typeface="Palladio Uralic"/>
+              </a:rPr>
+              <a:t>Vengalaraya</a:t>
+            </a:r>
+            <a:r>
+              <a:rPr lang="en-US" sz="1400" spc="-5" dirty="0">
                 <a:cs typeface="Palladio Uralic"/>
               </a:rPr>
               <a:t> </a:t>
             </a:r>
             <a:r>
-              <a:rPr lang="en-US" sz="1400" spc="-5" dirty="0" err="1" smtClean="0">
-                <a:cs typeface="Palladio Uralic"/>
-              </a:rPr>
-              <a:t>malkapur</a:t>
-            </a:r>
-            <a:r>
-              <a:rPr lang="en-US" sz="1400" spc="-5" dirty="0" smtClean="0">
-                <a:cs typeface="Palladio Uralic"/>
-              </a:rPr>
-              <a:t> Village, </a:t>
-            </a:r>
-            <a:r>
-              <a:rPr lang="en-US" sz="1400" spc="-5" dirty="0" err="1" smtClean="0">
-                <a:cs typeface="Palladio Uralic"/>
-              </a:rPr>
-              <a:t>Choutuppal</a:t>
-            </a:r>
-            <a:r>
-              <a:rPr lang="en-US" sz="1400" spc="-5" dirty="0" smtClean="0">
+              <a:rPr lang="en-US" sz="1400" spc="-5" dirty="0" err="1">
+                <a:cs typeface="Palladio Uralic"/>
+              </a:rPr>
+              <a:t>sagaram</a:t>
+            </a:r>
+            <a:r>
+              <a:rPr lang="en-US" sz="1400" spc="-5" dirty="0">
+                <a:cs typeface="Palladio Uralic"/>
+              </a:rPr>
+              <a:t> Project in </a:t>
+            </a:r>
+            <a:r>
+              <a:rPr lang="en-US" sz="1400" spc="-5" dirty="0" err="1">
+                <a:cs typeface="Palladio Uralic"/>
+              </a:rPr>
+              <a:t>Laxmipuram</a:t>
+            </a:r>
+            <a:r>
+              <a:rPr lang="en-US" sz="1400" spc="-5" dirty="0">
                 <a:cs typeface="Palladio Uralic"/>
               </a:rPr>
               <a:t> </a:t>
             </a:r>
             <a:r>
-              <a:rPr lang="en-US" sz="1400" spc="-5" dirty="0" err="1" smtClean="0">
-                <a:cs typeface="Palladio Uralic"/>
-              </a:rPr>
-              <a:t>Mandal</a:t>
-            </a:r>
-            <a:r>
-              <a:rPr lang="en-US" sz="1400" spc="-5" dirty="0" smtClean="0">
+              <a:rPr lang="en-US" sz="1400" spc="-5" dirty="0" err="1">
+                <a:cs typeface="Palladio Uralic"/>
+              </a:rPr>
+              <a:t>villiage</a:t>
+            </a:r>
+            <a:r>
+              <a:rPr lang="en-US" sz="1400" spc="-5" dirty="0">
+                <a:cs typeface="Palladio Uralic"/>
+              </a:rPr>
+              <a:t> in </a:t>
+            </a:r>
+            <a:r>
+              <a:rPr lang="en-US" sz="1400" spc="-5" dirty="0" err="1">
+                <a:cs typeface="Palladio Uralic"/>
+              </a:rPr>
+              <a:t>Saluru</a:t>
+            </a:r>
+            <a:r>
+              <a:rPr lang="en-US" sz="1400" spc="-5" dirty="0">
                 <a:cs typeface="Palladio Uralic"/>
               </a:rPr>
               <a:t>, </a:t>
             </a:r>
             <a:r>
-              <a:rPr lang="en-US" sz="1400" spc="-5" dirty="0" err="1" smtClean="0">
-                <a:cs typeface="Palladio Uralic"/>
-              </a:rPr>
-              <a:t>Yadadri</a:t>
-            </a:r>
-            <a:r>
-              <a:rPr lang="en-US" sz="1400" spc="-5" dirty="0" smtClean="0">
+              <a:rPr lang="en-US" sz="1400" spc="-5" dirty="0" err="1">
+                <a:cs typeface="Palladio Uralic"/>
+              </a:rPr>
+              <a:t>Vizianagaram</a:t>
+            </a:r>
+            <a:r>
+              <a:rPr lang="en-US" sz="1400" spc="-5" dirty="0">
+                <a:cs typeface="Palladio Uralic"/>
+              </a:rPr>
+              <a:t> District, AP  work on back-to-back basis for an amount of</a:t>
+            </a:r>
+            <a:r>
+              <a:rPr lang="en-US" sz="1400" spc="245" dirty="0">
                 <a:cs typeface="Palladio Uralic"/>
               </a:rPr>
               <a:t> </a:t>
             </a:r>
             <a:r>
-              <a:rPr lang="en-US" sz="1400" spc="-5" dirty="0" err="1" smtClean="0">
-                <a:cs typeface="Palladio Uralic"/>
-              </a:rPr>
-              <a:t>Bhuvanagiri</a:t>
-            </a:r>
-            <a:r>
-              <a:rPr lang="en-US" sz="1400" spc="-5" dirty="0" smtClean="0">
-                <a:cs typeface="Palladio Uralic"/>
-              </a:rPr>
-              <a:t> District, </a:t>
-            </a:r>
-            <a:r>
-              <a:rPr lang="en-US" sz="1400" spc="-5" dirty="0" err="1" smtClean="0">
-                <a:cs typeface="Palladio Uralic"/>
-              </a:rPr>
-              <a:t>Telangana</a:t>
-            </a:r>
-            <a:r>
-              <a:rPr lang="en-US" sz="1400" spc="-5" dirty="0" smtClean="0">
-                <a:cs typeface="Palladio Uralic"/>
-              </a:rPr>
-              <a:t>.(Package B-West Face)- (Clint of </a:t>
-            </a:r>
-            <a:r>
-              <a:rPr lang="en-US" sz="1400" spc="-5" dirty="0" err="1" smtClean="0">
-                <a:cs typeface="Palladio Uralic"/>
-              </a:rPr>
-              <a:t>Yadadri</a:t>
-            </a:r>
-            <a:r>
-              <a:rPr lang="en-US" sz="1400" spc="-5" dirty="0" smtClean="0">
-                <a:cs typeface="Palladio Uralic"/>
-              </a:rPr>
-              <a:t> Food Park Infrastructures </a:t>
-            </a:r>
-            <a:r>
-              <a:rPr lang="en-US" sz="1400" spc="-5" dirty="0" err="1" smtClean="0">
-                <a:cs typeface="Palladio Uralic"/>
-              </a:rPr>
-              <a:t>Pvt</a:t>
-            </a:r>
-            <a:r>
-              <a:rPr lang="en-US" sz="1400" spc="-5" dirty="0" smtClean="0">
-                <a:cs typeface="Palladio Uralic"/>
-              </a:rPr>
-              <a:t> Ltd- Value of Work: Rs. </a:t>
-            </a:r>
-            <a:r>
-              <a:rPr lang="en-US" sz="1400" b="1" spc="-5" dirty="0" smtClean="0">
-                <a:cs typeface="Palladio Uralic"/>
-              </a:rPr>
-              <a:t>37,34,18,669</a:t>
-            </a:r>
-            <a:endParaRPr lang="en-US" sz="1400" b="1" spc="-5" dirty="0" smtClean="0">
-              <a:cs typeface="Palladio Uralic"/>
-            </a:endParaRPr>
+              <a:rPr lang="en-US" sz="1400" b="1" spc="-5" dirty="0">
+                <a:cs typeface="Palladio Uralic"/>
+              </a:rPr>
+              <a:t>Rs.59,76,91,240.00 </a:t>
+            </a:r>
+            <a:r>
+              <a:rPr lang="en-US" sz="1400" spc="-5" dirty="0">
+                <a:cs typeface="Palladio Uralic"/>
+              </a:rPr>
+              <a:t>(from SKR Construction- </a:t>
+            </a:r>
+            <a:r>
+              <a:rPr lang="en-US" sz="1400" spc="-5" dirty="0" err="1">
+                <a:cs typeface="Palladio Uralic"/>
+              </a:rPr>
+              <a:t>Rajpadma</a:t>
+            </a:r>
+            <a:r>
+              <a:rPr lang="en-US" sz="1400" spc="-5" dirty="0">
+                <a:cs typeface="Palladio Uralic"/>
+              </a:rPr>
+              <a:t> In Corp (JV) )</a:t>
+            </a:r>
           </a:p>
           <a:p>
             <a:pPr marL="361950" marR="83185" indent="-285750" algn="just">
@@ -6807,7 +6623,165 @@
                 <a:tab pos="350520" algn="l"/>
               </a:tabLst>
             </a:pPr>
-            <a:endParaRPr lang="en-US" sz="1400" spc="-5" dirty="0" smtClean="0">
+            <a:endParaRPr lang="en-US" sz="1400" spc="-5" dirty="0">
+              <a:cs typeface="Palladio Uralic"/>
+            </a:endParaRPr>
+          </a:p>
+          <a:p>
+            <a:pPr marL="361950" marR="83185" indent="-285750" algn="just">
+              <a:lnSpc>
+                <a:spcPts val="1510"/>
+              </a:lnSpc>
+              <a:spcBef>
+                <a:spcPts val="290"/>
+              </a:spcBef>
+              <a:buClr>
+                <a:srgbClr val="D16349"/>
+              </a:buClr>
+              <a:buSzPct val="82142"/>
+              <a:buFont typeface="Arial" panose="020B0604020202020204" pitchFamily="34" charset="0"/>
+              <a:buChar char="•"/>
+              <a:tabLst>
+                <a:tab pos="350520" algn="l"/>
+              </a:tabLst>
+            </a:pPr>
+            <a:r>
+              <a:rPr lang="en-US" sz="1400" spc="-5" dirty="0">
+                <a:cs typeface="Palladio Uralic"/>
+              </a:rPr>
+              <a:t>Earthwork Excavation, Cutting, Filling, Formation, Compaction and Carting away for formation of road, Drainage lines at Survey No.765, Dandu </a:t>
+            </a:r>
+            <a:r>
+              <a:rPr lang="en-US" sz="1400" spc="-5" dirty="0" err="1">
+                <a:cs typeface="Palladio Uralic"/>
+              </a:rPr>
+              <a:t>malkapur</a:t>
+            </a:r>
+            <a:r>
+              <a:rPr lang="en-US" sz="1400" spc="-5" dirty="0">
+                <a:cs typeface="Palladio Uralic"/>
+              </a:rPr>
+              <a:t> Village, </a:t>
+            </a:r>
+            <a:r>
+              <a:rPr lang="en-US" sz="1400" spc="-5" dirty="0" err="1">
+                <a:cs typeface="Palladio Uralic"/>
+              </a:rPr>
+              <a:t>Choutuppal</a:t>
+            </a:r>
+            <a:r>
+              <a:rPr lang="en-US" sz="1400" spc="-5" dirty="0">
+                <a:cs typeface="Palladio Uralic"/>
+              </a:rPr>
+              <a:t> Mandal, </a:t>
+            </a:r>
+            <a:r>
+              <a:rPr lang="en-US" sz="1400" spc="-5" dirty="0" err="1">
+                <a:cs typeface="Palladio Uralic"/>
+              </a:rPr>
+              <a:t>Yadadri</a:t>
+            </a:r>
+            <a:r>
+              <a:rPr lang="en-US" sz="1400" spc="-5" dirty="0">
+                <a:cs typeface="Palladio Uralic"/>
+              </a:rPr>
+              <a:t> </a:t>
+            </a:r>
+            <a:r>
+              <a:rPr lang="en-US" sz="1400" spc="-5" dirty="0" err="1">
+                <a:cs typeface="Palladio Uralic"/>
+              </a:rPr>
+              <a:t>Bhuvanagiri</a:t>
+            </a:r>
+            <a:r>
+              <a:rPr lang="en-US" sz="1400" spc="-5" dirty="0">
+                <a:cs typeface="Palladio Uralic"/>
+              </a:rPr>
+              <a:t> District, Telangana.(Package B-West Face)- (Clint of </a:t>
+            </a:r>
+            <a:r>
+              <a:rPr lang="en-US" sz="1400" spc="-5" dirty="0" err="1">
+                <a:cs typeface="Palladio Uralic"/>
+              </a:rPr>
+              <a:t>Yadadri</a:t>
+            </a:r>
+            <a:r>
+              <a:rPr lang="en-US" sz="1400" spc="-5" dirty="0">
+                <a:cs typeface="Palladio Uralic"/>
+              </a:rPr>
+              <a:t> Food Park Infrastructures Pvt Ltd- Value of Work: Rs. </a:t>
+            </a:r>
+            <a:r>
+              <a:rPr lang="en-US" sz="1400" b="1" spc="-5" dirty="0">
+                <a:cs typeface="Palladio Uralic"/>
+              </a:rPr>
+              <a:t>37,34,18,669.00</a:t>
+            </a:r>
+          </a:p>
+          <a:p>
+            <a:pPr marL="76200" marR="83185" algn="just">
+              <a:lnSpc>
+                <a:spcPts val="1510"/>
+              </a:lnSpc>
+              <a:spcBef>
+                <a:spcPts val="290"/>
+              </a:spcBef>
+              <a:buClr>
+                <a:srgbClr val="D16349"/>
+              </a:buClr>
+              <a:buSzPct val="82142"/>
+              <a:tabLst>
+                <a:tab pos="350520" algn="l"/>
+              </a:tabLst>
+            </a:pPr>
+            <a:r>
+              <a:rPr lang="en-US" sz="1400" b="1" spc="-5" dirty="0">
+                <a:cs typeface="Palladio Uralic"/>
+              </a:rPr>
+              <a:t>       </a:t>
+            </a:r>
+          </a:p>
+          <a:p>
+            <a:pPr marL="361950" marR="83185" indent="-285750" algn="just">
+              <a:lnSpc>
+                <a:spcPts val="1510"/>
+              </a:lnSpc>
+              <a:spcBef>
+                <a:spcPts val="290"/>
+              </a:spcBef>
+              <a:buClr>
+                <a:srgbClr val="D16349"/>
+              </a:buClr>
+              <a:buSzPct val="82142"/>
+              <a:buFont typeface="Arial" panose="020B0604020202020204" pitchFamily="34" charset="0"/>
+              <a:buChar char="•"/>
+              <a:tabLst>
+                <a:tab pos="350520" algn="l"/>
+              </a:tabLst>
+            </a:pPr>
+            <a:endParaRPr lang="en-US" sz="1400" b="1" spc="-5" dirty="0">
+              <a:cs typeface="Palladio Uralic"/>
+            </a:endParaRPr>
+          </a:p>
+          <a:p>
+            <a:pPr marL="361950" marR="83185" indent="-285750" algn="just">
+              <a:lnSpc>
+                <a:spcPts val="1510"/>
+              </a:lnSpc>
+              <a:spcBef>
+                <a:spcPts val="290"/>
+              </a:spcBef>
+              <a:buClr>
+                <a:srgbClr val="D16349"/>
+              </a:buClr>
+              <a:buSzPct val="82142"/>
+              <a:buFont typeface="Arial" panose="020B0604020202020204" pitchFamily="34" charset="0"/>
+              <a:buChar char="•"/>
+              <a:tabLst>
+                <a:tab pos="350520" algn="l"/>
+              </a:tabLst>
+            </a:pPr>
+            <a:endParaRPr lang="en-US" sz="1400" spc="-5" dirty="0">
               <a:cs typeface="Palladio Uralic"/>
             </a:endParaRPr>
           </a:p>
@@ -7152,7 +7126,7 @@
         <p:spPr>
           <a:xfrm>
             <a:off x="1082172" y="2584957"/>
-            <a:ext cx="8836527" cy="3982500"/>
+            <a:ext cx="8836527" cy="5470087"/>
           </a:xfrm>
           <a:prstGeom prst="rect">
             <a:avLst/>
@@ -7301,18 +7275,12 @@
               <a:t> </a:t>
             </a:r>
             <a:r>
-              <a:rPr sz="1400" b="1" spc="-5">
-                <a:cs typeface="Palladio Uralic"/>
-              </a:rPr>
-              <a:t>Completed</a:t>
-            </a:r>
-            <a:r>
-              <a:rPr sz="1400" b="1" spc="-5" smtClean="0">
-                <a:cs typeface="Palladio Uralic"/>
-              </a:rPr>
-              <a:t>.</a:t>
-            </a:r>
-            <a:endParaRPr lang="en-US" sz="1400" b="1" spc="-5" dirty="0" smtClean="0">
+              <a:rPr sz="1400" b="1" spc="-5" dirty="0">
+                <a:cs typeface="Palladio Uralic"/>
+              </a:rPr>
+              <a:t>Completed.</a:t>
+            </a:r>
+            <a:endParaRPr lang="en-US" sz="1400" b="1" spc="-5" dirty="0">
               <a:cs typeface="Palladio Uralic"/>
             </a:endParaRPr>
           </a:p>
@@ -7328,121 +7296,121 @@
               </a:tabLst>
             </a:pPr>
             <a:r>
-              <a:rPr lang="en-US" sz="1400" spc="-5" dirty="0" smtClean="0">
+              <a:rPr lang="en-US" sz="1400" spc="-5" dirty="0">
                 <a:cs typeface="Palladio Uralic"/>
               </a:rPr>
               <a:t>N.F Railways Tunnel – “Construction of single Line BG Tunnel No.12 (III/9) at KM 113/000 to </a:t>
             </a:r>
             <a:r>
-              <a:rPr lang="en-US" sz="1400" spc="-55" dirty="0" smtClean="0">
+              <a:rPr lang="en-US" sz="1400" spc="-55" dirty="0">
                 <a:cs typeface="Palladio Uralic"/>
               </a:rPr>
               <a:t>Km  </a:t>
             </a:r>
             <a:r>
-              <a:rPr lang="en-US" sz="1400" spc="-5" dirty="0" smtClean="0">
+              <a:rPr lang="en-US" sz="1400" spc="-5" dirty="0">
                 <a:cs typeface="Palladio Uralic"/>
               </a:rPr>
               <a:t>114/030 (new </a:t>
             </a:r>
             <a:r>
-              <a:rPr lang="en-US" sz="1400" spc="-5" dirty="0" err="1" smtClean="0">
+              <a:rPr lang="en-US" sz="1400" spc="-5" dirty="0" err="1">
                 <a:cs typeface="Palladio Uralic"/>
               </a:rPr>
               <a:t>chainage</a:t>
             </a:r>
             <a:r>
-              <a:rPr lang="en-US" sz="1400" spc="-5" dirty="0" smtClean="0">
+              <a:rPr lang="en-US" sz="1400" spc="-5" dirty="0">
                 <a:cs typeface="Palladio Uralic"/>
               </a:rPr>
               <a:t>) including both approaches in between New </a:t>
             </a:r>
             <a:r>
-              <a:rPr lang="en-US" sz="1400" spc="-5" dirty="0" err="1" smtClean="0">
+              <a:rPr lang="en-US" sz="1400" spc="-5" dirty="0" err="1">
                 <a:cs typeface="Palladio Uralic"/>
               </a:rPr>
               <a:t>Haflong</a:t>
             </a:r>
             <a:r>
-              <a:rPr lang="en-US" sz="1400" spc="-5" dirty="0" smtClean="0">
+              <a:rPr lang="en-US" sz="1400" spc="-5" dirty="0">
                 <a:cs typeface="Palladio Uralic"/>
               </a:rPr>
               <a:t> – </a:t>
             </a:r>
             <a:r>
-              <a:rPr lang="en-US" sz="1400" spc="-5" dirty="0" err="1" smtClean="0">
+              <a:rPr lang="en-US" sz="1400" spc="-5" dirty="0" err="1">
                 <a:cs typeface="Palladio Uralic"/>
               </a:rPr>
               <a:t>Harangajao</a:t>
             </a:r>
             <a:r>
-              <a:rPr lang="en-US" sz="1400" spc="-5" dirty="0" smtClean="0">
+              <a:rPr lang="en-US" sz="1400" spc="-5" dirty="0">
                 <a:cs typeface="Palladio Uralic"/>
               </a:rPr>
               <a:t> station for  single line BG, includes earthwork in cutting &amp; filling, construction of Two number minor bridges,  side drains and other protection works at approaches </a:t>
             </a:r>
             <a:r>
-              <a:rPr lang="en-US" sz="1400" spc="-10" dirty="0" smtClean="0">
+              <a:rPr lang="en-US" sz="1400" spc="-10" dirty="0">
                 <a:cs typeface="Palladio Uralic"/>
               </a:rPr>
               <a:t>of </a:t>
             </a:r>
             <a:r>
-              <a:rPr lang="en-US" sz="1400" spc="-5" dirty="0" smtClean="0">
+              <a:rPr lang="en-US" sz="1400" spc="-5" dirty="0">
                 <a:cs typeface="Palladio Uralic"/>
               </a:rPr>
               <a:t>tunnel as per BG standard </a:t>
             </a:r>
             <a:r>
-              <a:rPr lang="en-US" sz="1400" spc="-10" dirty="0" smtClean="0">
+              <a:rPr lang="en-US" sz="1400" spc="-10" dirty="0">
                 <a:cs typeface="Palladio Uralic"/>
               </a:rPr>
               <a:t>on </a:t>
             </a:r>
             <a:r>
-              <a:rPr lang="en-US" sz="1400" spc="-5" dirty="0" smtClean="0">
+              <a:rPr lang="en-US" sz="1400" spc="-5" dirty="0">
                 <a:cs typeface="Palladio Uralic"/>
               </a:rPr>
               <a:t>diverted  alignment in connection with </a:t>
             </a:r>
             <a:r>
-              <a:rPr lang="en-US" sz="1400" spc="-5" dirty="0" err="1" smtClean="0">
+              <a:rPr lang="en-US" sz="1400" spc="-5" dirty="0" err="1">
                 <a:cs typeface="Palladio Uralic"/>
               </a:rPr>
               <a:t>Lumding</a:t>
             </a:r>
             <a:r>
-              <a:rPr lang="en-US" sz="1400" spc="-5" dirty="0" smtClean="0">
+              <a:rPr lang="en-US" sz="1400" spc="-5" dirty="0">
                 <a:cs typeface="Palladio Uralic"/>
               </a:rPr>
               <a:t> – </a:t>
             </a:r>
             <a:r>
-              <a:rPr lang="en-US" sz="1400" spc="-5" dirty="0" err="1" smtClean="0">
+              <a:rPr lang="en-US" sz="1400" spc="-5" dirty="0" err="1">
                 <a:cs typeface="Palladio Uralic"/>
               </a:rPr>
               <a:t>Silchar</a:t>
             </a:r>
             <a:r>
-              <a:rPr lang="en-US" sz="1400" spc="-5" dirty="0" smtClean="0">
+              <a:rPr lang="en-US" sz="1400" spc="-5" dirty="0">
                 <a:cs typeface="Palladio Uralic"/>
               </a:rPr>
               <a:t> Gauge Conversion Project. (Total length of Tunnel =  1030M) (Subcontract from M/s. </a:t>
             </a:r>
             <a:r>
-              <a:rPr lang="en-US" sz="1400" spc="-5" dirty="0" err="1" smtClean="0">
+              <a:rPr lang="en-US" sz="1400" spc="-5" dirty="0" err="1">
                 <a:cs typeface="Palladio Uralic"/>
               </a:rPr>
               <a:t>Sushee</a:t>
             </a:r>
             <a:r>
-              <a:rPr lang="en-US" sz="1400" spc="-5" dirty="0" smtClean="0">
+              <a:rPr lang="en-US" sz="1400" spc="-5" dirty="0">
                 <a:cs typeface="Palladio Uralic"/>
               </a:rPr>
               <a:t> Infra Private Limited) for a value of </a:t>
             </a:r>
             <a:r>
-              <a:rPr lang="en-US" sz="1400" b="1" spc="-5" dirty="0" smtClean="0">
+              <a:rPr lang="en-US" sz="1400" b="1" spc="-5" dirty="0">
                 <a:cs typeface="Palladio Uralic"/>
               </a:rPr>
               <a:t>Rs.40, 74, 64,712.00. –   Completed.</a:t>
@@ -7459,7 +7427,130 @@
                 <a:tab pos="184150" algn="l"/>
               </a:tabLst>
             </a:pPr>
-            <a:endParaRPr lang="en-US" sz="1400" dirty="0" smtClean="0">
+            <a:r>
+              <a:rPr lang="en-US" sz="1400" spc="-5" dirty="0">
+                <a:cs typeface="Palladio Uralic"/>
+              </a:rPr>
+              <a:t>Construction of  Residential High rise building of Basements 2 Nos ,(G+11) Floors with </a:t>
+            </a:r>
+            <a:r>
+              <a:rPr lang="en-US" sz="1400" spc="-5" dirty="0" err="1">
+                <a:cs typeface="Palladio Uralic"/>
+              </a:rPr>
+              <a:t>Roads,swimming</a:t>
+            </a:r>
+            <a:r>
+              <a:rPr lang="en-US" sz="1400" spc="-5" dirty="0">
+                <a:cs typeface="Palladio Uralic"/>
+              </a:rPr>
+              <a:t> pool, Security Kiosk, Library, Yoga hall, Health club, Gym, </a:t>
+            </a:r>
+            <a:r>
+              <a:rPr lang="en-US" sz="1400" spc="-5" dirty="0" err="1">
+                <a:cs typeface="Palladio Uralic"/>
+              </a:rPr>
+              <a:t>Tabble</a:t>
+            </a:r>
+            <a:r>
+              <a:rPr lang="en-US" sz="1400" spc="-5" dirty="0">
+                <a:cs typeface="Palladio Uralic"/>
+              </a:rPr>
+              <a:t> tennis &amp; Badminton courts, Jogging tracks, Banquet Hall with Lawn, Cellar parking ,All round Solar Fencing, Electrical works at </a:t>
+            </a:r>
+            <a:r>
+              <a:rPr lang="en-US" sz="1400" spc="-5" dirty="0" err="1">
+                <a:cs typeface="Palladio Uralic"/>
+              </a:rPr>
+              <a:t>Gollapudi</a:t>
+            </a:r>
+            <a:r>
+              <a:rPr lang="en-US" sz="1400" spc="-5" dirty="0">
+                <a:cs typeface="Palladio Uralic"/>
+              </a:rPr>
+              <a:t>, Vijayawada, AP.-</a:t>
+            </a:r>
+            <a:r>
+              <a:rPr lang="en-US" sz="1400" b="1" dirty="0"/>
+              <a:t>Rs</a:t>
+            </a:r>
+            <a:r>
+              <a:rPr lang="en-US" sz="1400" dirty="0"/>
+              <a:t> </a:t>
+            </a:r>
+            <a:r>
+              <a:rPr lang="en-US" sz="1400" b="1" dirty="0"/>
+              <a:t>68,84,29,852- Completed</a:t>
+            </a:r>
+            <a:endParaRPr lang="en-US" sz="1400" spc="-5" dirty="0">
+              <a:cs typeface="Palladio Uralic"/>
+            </a:endParaRPr>
+          </a:p>
+          <a:p>
+            <a:pPr marL="298450" marR="5715" indent="-285750" algn="just">
+              <a:spcBef>
+                <a:spcPts val="1639"/>
+              </a:spcBef>
+              <a:buFont typeface="Arial" panose="020B0604020202020204" pitchFamily="34" charset="0"/>
+              <a:buChar char="•"/>
+              <a:tabLst>
+                <a:tab pos="184150" algn="l"/>
+              </a:tabLst>
+            </a:pPr>
+            <a:r>
+              <a:rPr lang="en-US" sz="1400" spc="-5" dirty="0">
+                <a:cs typeface="Palladio Uralic"/>
+              </a:rPr>
+              <a:t>Construction of Civil, Structural, waterproofing, interior &amp; MEP works of G+8 commercial building at </a:t>
+            </a:r>
+            <a:r>
+              <a:rPr lang="en-US" sz="1400" spc="-5" dirty="0" err="1">
+                <a:cs typeface="Palladio Uralic"/>
+              </a:rPr>
+              <a:t>Satvik</a:t>
+            </a:r>
+            <a:r>
+              <a:rPr lang="en-US" sz="1400" spc="-5" dirty="0">
+                <a:cs typeface="Palladio Uralic"/>
+              </a:rPr>
+              <a:t> phase 1 , Hyderabad. – </a:t>
+            </a:r>
+            <a:r>
+              <a:rPr lang="en-US" sz="1400" b="1" spc="-5" dirty="0">
+                <a:cs typeface="Palladio Uralic"/>
+              </a:rPr>
+              <a:t>Rs 58,52,29,852.00</a:t>
+            </a:r>
+            <a:r>
+              <a:rPr lang="en-US" sz="1400" spc="-5" dirty="0">
+                <a:cs typeface="Palladio Uralic"/>
+              </a:rPr>
+              <a:t> – </a:t>
+            </a:r>
+            <a:r>
+              <a:rPr lang="en-US" sz="1400" b="1" spc="-5" dirty="0">
+                <a:cs typeface="Palladio Uralic"/>
+              </a:rPr>
+              <a:t>Completed</a:t>
+            </a:r>
+            <a:r>
+              <a:rPr lang="en-US" sz="1400" spc="-5" dirty="0">
+                <a:cs typeface="Palladio Uralic"/>
+              </a:rPr>
+              <a:t>.</a:t>
+            </a:r>
+          </a:p>
+          <a:p>
+            <a:pPr marL="298450" marR="5715" indent="-285750" algn="just">
+              <a:spcBef>
+                <a:spcPts val="1639"/>
+              </a:spcBef>
+              <a:buFont typeface="Arial" panose="020B0604020202020204" pitchFamily="34" charset="0"/>
+              <a:buChar char="•"/>
+              <a:tabLst>
+                <a:tab pos="184150" algn="l"/>
+              </a:tabLst>
+            </a:pPr>
+            <a:endParaRPr lang="en-US" sz="1400" dirty="0">
               <a:cs typeface="Palladio Uralic"/>
             </a:endParaRPr>
           </a:p>
@@ -7695,7 +7786,7 @@
           <p:nvPr>
             <p:extLst>
               <p:ext uri="{D42A27DB-BD31-4B8C-83A1-F6EECF244321}">
-                <p14:modId xmlns:p14="http://schemas.microsoft.com/office/powerpoint/2010/main" xmlns="" val="1354497820"/>
+                <p14:modId xmlns:p14="http://schemas.microsoft.com/office/powerpoint/2010/main" val="1354497820"/>
               </p:ext>
             </p:extLst>
           </p:nvPr>
@@ -7714,21 +7805,21 @@
                 <a:gridCol w="688300">
                   <a:extLst>
                     <a:ext uri="{9D8B030D-6E8A-4147-A177-3AD203B41FA5}">
-                      <a16:colId xmlns:a16="http://schemas.microsoft.com/office/drawing/2014/main" xmlns="" val="20000"/>
+                      <a16:colId xmlns:a16="http://schemas.microsoft.com/office/drawing/2014/main" val="20000"/>
                     </a:ext>
                   </a:extLst>
                 </a:gridCol>
                 <a:gridCol w="2491294">
                   <a:extLst>
                     <a:ext uri="{9D8B030D-6E8A-4147-A177-3AD203B41FA5}">
-                      <a16:colId xmlns:a16="http://schemas.microsoft.com/office/drawing/2014/main" xmlns="" val="20001"/>
+                      <a16:colId xmlns:a16="http://schemas.microsoft.com/office/drawing/2014/main" val="20001"/>
                     </a:ext>
                   </a:extLst>
                 </a:gridCol>
                 <a:gridCol w="2068698">
                   <a:extLst>
                     <a:ext uri="{9D8B030D-6E8A-4147-A177-3AD203B41FA5}">
-                      <a16:colId xmlns:a16="http://schemas.microsoft.com/office/drawing/2014/main" xmlns="" val="20002"/>
+                      <a16:colId xmlns:a16="http://schemas.microsoft.com/office/drawing/2014/main" val="20002"/>
                     </a:ext>
                   </a:extLst>
                 </a:gridCol>
@@ -7827,7 +7918,7 @@
                 </a:tc>
                 <a:extLst>
                   <a:ext uri="{0D108BD9-81ED-4DB2-BD59-A6C34878D82A}">
-                    <a16:rowId xmlns:a16="http://schemas.microsoft.com/office/drawing/2014/main" xmlns="" val="10000"/>
+                    <a16:rowId xmlns:a16="http://schemas.microsoft.com/office/drawing/2014/main" val="10000"/>
                   </a:ext>
                 </a:extLst>
               </a:tr>
@@ -7908,11 +7999,11 @@
                         </a:spcBef>
                       </a:pPr>
                       <a:r>
-                        <a:rPr sz="1400" spc="-5" smtClean="0"/>
+                        <a:rPr sz="1400" spc="-5"/>
                         <a:t>0</a:t>
                       </a:r>
                       <a:r>
-                        <a:rPr lang="en-US" sz="1400" spc="-5" dirty="0" smtClean="0"/>
+                        <a:rPr lang="en-US" sz="1400" spc="-5" dirty="0"/>
                         <a:t>4</a:t>
                       </a:r>
                       <a:endParaRPr sz="1400">
@@ -7925,7 +8016,7 @@
                 </a:tc>
                 <a:extLst>
                   <a:ext uri="{0D108BD9-81ED-4DB2-BD59-A6C34878D82A}">
-                    <a16:rowId xmlns:a16="http://schemas.microsoft.com/office/drawing/2014/main" xmlns="" val="10001"/>
+                    <a16:rowId xmlns:a16="http://schemas.microsoft.com/office/drawing/2014/main" val="10001"/>
                   </a:ext>
                 </a:extLst>
               </a:tr>
@@ -8051,7 +8142,7 @@
                 </a:tc>
                 <a:extLst>
                   <a:ext uri="{0D108BD9-81ED-4DB2-BD59-A6C34878D82A}">
-                    <a16:rowId xmlns:a16="http://schemas.microsoft.com/office/drawing/2014/main" xmlns="" val="10002"/>
+                    <a16:rowId xmlns:a16="http://schemas.microsoft.com/office/drawing/2014/main" val="10002"/>
                   </a:ext>
                 </a:extLst>
               </a:tr>
@@ -8142,7 +8233,7 @@
                         </a:spcBef>
                       </a:pPr>
                       <a:r>
-                        <a:rPr lang="en-US" sz="1400" spc="-5" dirty="0" smtClean="0">
+                        <a:rPr lang="en-US" sz="1400" spc="-5" dirty="0">
                           <a:solidFill>
                             <a:schemeClr val="dk1"/>
                           </a:solidFill>
@@ -8166,7 +8257,7 @@
                 </a:tc>
                 <a:extLst>
                   <a:ext uri="{0D108BD9-81ED-4DB2-BD59-A6C34878D82A}">
-                    <a16:rowId xmlns:a16="http://schemas.microsoft.com/office/drawing/2014/main" xmlns="" val="10003"/>
+                    <a16:rowId xmlns:a16="http://schemas.microsoft.com/office/drawing/2014/main" val="10003"/>
                   </a:ext>
                 </a:extLst>
               </a:tr>
@@ -8185,7 +8276,7 @@
                         </a:spcBef>
                       </a:pPr>
                       <a:r>
-                        <a:rPr sz="1400" spc="-5" smtClean="0">
+                        <a:rPr sz="1400" spc="-5">
                           <a:solidFill>
                             <a:schemeClr val="dk1"/>
                           </a:solidFill>
@@ -8196,7 +8287,7 @@
                         <a:t>0</a:t>
                       </a:r>
                       <a:r>
-                        <a:rPr lang="en-US" sz="1400" spc="-5" dirty="0" smtClean="0">
+                        <a:rPr lang="en-US" sz="1400" spc="-5" dirty="0">
                           <a:solidFill>
                             <a:schemeClr val="dk1"/>
                           </a:solidFill>
@@ -8292,7 +8383,7 @@
                 </a:tc>
                 <a:extLst>
                   <a:ext uri="{0D108BD9-81ED-4DB2-BD59-A6C34878D82A}">
-                    <a16:rowId xmlns:a16="http://schemas.microsoft.com/office/drawing/2014/main" xmlns="" val="10005"/>
+                    <a16:rowId xmlns:a16="http://schemas.microsoft.com/office/drawing/2014/main" val="10005"/>
                   </a:ext>
                 </a:extLst>
               </a:tr>
@@ -8311,7 +8402,7 @@
                         </a:spcBef>
                       </a:pPr>
                       <a:r>
-                        <a:rPr sz="1400" spc="-5" smtClean="0">
+                        <a:rPr sz="1400" spc="-5">
                           <a:solidFill>
                             <a:schemeClr val="dk1"/>
                           </a:solidFill>
@@ -8322,7 +8413,7 @@
                         <a:t>0</a:t>
                       </a:r>
                       <a:r>
-                        <a:rPr lang="en-US" sz="1400" spc="-5" dirty="0" smtClean="0">
+                        <a:rPr lang="en-US" sz="1400" spc="-5" dirty="0">
                           <a:solidFill>
                             <a:schemeClr val="dk1"/>
                           </a:solidFill>
@@ -8418,7 +8509,7 @@
                 </a:tc>
                 <a:extLst>
                   <a:ext uri="{0D108BD9-81ED-4DB2-BD59-A6C34878D82A}">
-                    <a16:rowId xmlns:a16="http://schemas.microsoft.com/office/drawing/2014/main" xmlns="" val="10007"/>
+                    <a16:rowId xmlns:a16="http://schemas.microsoft.com/office/drawing/2014/main" val="10007"/>
                   </a:ext>
                 </a:extLst>
               </a:tr>
@@ -8437,7 +8528,7 @@
                         </a:spcBef>
                       </a:pPr>
                       <a:r>
-                        <a:rPr sz="1400" spc="-5" smtClean="0">
+                        <a:rPr sz="1400" spc="-5">
                           <a:solidFill>
                             <a:schemeClr val="dk1"/>
                           </a:solidFill>
@@ -8448,7 +8539,7 @@
                         <a:t>0</a:t>
                       </a:r>
                       <a:r>
-                        <a:rPr lang="en-US" sz="1400" spc="-5" dirty="0" smtClean="0">
+                        <a:rPr lang="en-US" sz="1400" spc="-5" dirty="0">
                           <a:solidFill>
                             <a:schemeClr val="dk1"/>
                           </a:solidFill>
@@ -8555,7 +8646,7 @@
                 </a:tc>
                 <a:extLst>
                   <a:ext uri="{0D108BD9-81ED-4DB2-BD59-A6C34878D82A}">
-                    <a16:rowId xmlns:a16="http://schemas.microsoft.com/office/drawing/2014/main" xmlns="" val="10008"/>
+                    <a16:rowId xmlns:a16="http://schemas.microsoft.com/office/drawing/2014/main" val="10008"/>
                   </a:ext>
                 </a:extLst>
               </a:tr>
@@ -8574,7 +8665,7 @@
                         </a:spcBef>
                       </a:pPr>
                       <a:r>
-                        <a:rPr sz="1400" spc="-5" smtClean="0">
+                        <a:rPr sz="1400" spc="-5">
                           <a:solidFill>
                             <a:schemeClr val="dk1"/>
                           </a:solidFill>
@@ -8585,7 +8676,7 @@
                         <a:t>0</a:t>
                       </a:r>
                       <a:r>
-                        <a:rPr lang="en-US" sz="1400" spc="-5" dirty="0" smtClean="0">
+                        <a:rPr lang="en-US" sz="1400" spc="-5" dirty="0">
                           <a:solidFill>
                             <a:schemeClr val="dk1"/>
                           </a:solidFill>
@@ -8657,7 +8748,7 @@
                         </a:spcBef>
                       </a:pPr>
                       <a:r>
-                        <a:rPr sz="1400" spc="-5" smtClean="0">
+                        <a:rPr sz="1400" spc="-5">
                           <a:solidFill>
                             <a:schemeClr val="dk1"/>
                           </a:solidFill>
@@ -8668,7 +8759,7 @@
                         <a:t>0</a:t>
                       </a:r>
                       <a:r>
-                        <a:rPr lang="en-US" sz="1400" spc="-5" dirty="0" smtClean="0">
+                        <a:rPr lang="en-US" sz="1400" spc="-5" dirty="0">
                           <a:solidFill>
                             <a:schemeClr val="dk1"/>
                           </a:solidFill>
@@ -8692,7 +8783,7 @@
                 </a:tc>
                 <a:extLst>
                   <a:ext uri="{0D108BD9-81ED-4DB2-BD59-A6C34878D82A}">
-                    <a16:rowId xmlns:a16="http://schemas.microsoft.com/office/drawing/2014/main" xmlns="" val="10009"/>
+                    <a16:rowId xmlns:a16="http://schemas.microsoft.com/office/drawing/2014/main" val="10009"/>
                   </a:ext>
                 </a:extLst>
               </a:tr>
@@ -8711,7 +8802,7 @@
                         </a:spcBef>
                       </a:pPr>
                       <a:r>
-                        <a:rPr lang="en-US" sz="1400" spc="-5" dirty="0" smtClean="0">
+                        <a:rPr lang="en-US" sz="1400" spc="-5" dirty="0">
                           <a:solidFill>
                             <a:schemeClr val="dk1"/>
                           </a:solidFill>
@@ -8783,7 +8874,7 @@
                         </a:spcBef>
                       </a:pPr>
                       <a:r>
-                        <a:rPr sz="1400" spc="-5" smtClean="0">
+                        <a:rPr sz="1400" spc="-5">
                           <a:solidFill>
                             <a:schemeClr val="dk1"/>
                           </a:solidFill>
@@ -8794,7 +8885,7 @@
                         <a:t>0</a:t>
                       </a:r>
                       <a:r>
-                        <a:rPr lang="en-US" sz="1400" spc="-5" dirty="0" smtClean="0">
+                        <a:rPr lang="en-US" sz="1400" spc="-5" dirty="0">
                           <a:solidFill>
                             <a:schemeClr val="dk1"/>
                           </a:solidFill>
@@ -8818,7 +8909,7 @@
                 </a:tc>
                 <a:extLst>
                   <a:ext uri="{0D108BD9-81ED-4DB2-BD59-A6C34878D82A}">
-                    <a16:rowId xmlns:a16="http://schemas.microsoft.com/office/drawing/2014/main" xmlns="" val="10011"/>
+                    <a16:rowId xmlns:a16="http://schemas.microsoft.com/office/drawing/2014/main" val="10011"/>
                   </a:ext>
                 </a:extLst>
               </a:tr>
@@ -8837,7 +8928,7 @@
                         </a:spcBef>
                       </a:pPr>
                       <a:r>
-                        <a:rPr lang="en-US" sz="1400" spc="-5" dirty="0" smtClean="0">
+                        <a:rPr lang="en-US" sz="1400" spc="-5" dirty="0">
                           <a:solidFill>
                             <a:schemeClr val="dk1"/>
                           </a:solidFill>
@@ -8873,7 +8964,7 @@
                         </a:spcBef>
                       </a:pPr>
                       <a:r>
-                        <a:rPr lang="en-US" sz="1400" spc="-5" dirty="0" smtClean="0">
+                        <a:rPr lang="en-US" sz="1400" spc="-5" dirty="0">
                           <a:solidFill>
                             <a:schemeClr val="dk1"/>
                           </a:solidFill>
@@ -8909,7 +9000,7 @@
                         </a:spcBef>
                       </a:pPr>
                       <a:r>
-                        <a:rPr lang="en-US" sz="1400" spc="-5" dirty="0" smtClean="0">
+                        <a:rPr lang="en-US" sz="1400" spc="-5" dirty="0">
                           <a:solidFill>
                             <a:schemeClr val="dk1"/>
                           </a:solidFill>
@@ -8931,6 +9022,11 @@
                   </a:txBody>
                   <a:tcPr marL="0" marR="0" marT="32384" marB="0"/>
                 </a:tc>
+                <a:extLst>
+                  <a:ext uri="{0D108BD9-81ED-4DB2-BD59-A6C34878D82A}">
+                    <a16:rowId xmlns:a16="http://schemas.microsoft.com/office/drawing/2014/main" val="10010"/>
+                  </a:ext>
+                </a:extLst>
               </a:tr>
               <a:tr h="285752">
                 <a:tc>
@@ -8947,7 +9043,7 @@
                         </a:spcBef>
                       </a:pPr>
                       <a:r>
-                        <a:rPr lang="en-US" sz="1400" spc="-5" dirty="0" smtClean="0">
+                        <a:rPr lang="en-US" sz="1400" spc="-5" dirty="0">
                           <a:solidFill>
                             <a:schemeClr val="dk1"/>
                           </a:solidFill>
@@ -8983,7 +9079,7 @@
                         </a:spcBef>
                       </a:pPr>
                       <a:r>
-                        <a:rPr lang="en-US" sz="1400" spc="-5" dirty="0" smtClean="0">
+                        <a:rPr lang="en-US" sz="1400" spc="-5" dirty="0">
                           <a:solidFill>
                             <a:schemeClr val="dk1"/>
                           </a:solidFill>
@@ -9019,7 +9115,7 @@
                         </a:spcBef>
                       </a:pPr>
                       <a:r>
-                        <a:rPr lang="en-US" sz="1400" spc="-5" dirty="0" smtClean="0">
+                        <a:rPr lang="en-US" sz="1400" spc="-5" dirty="0">
                           <a:solidFill>
                             <a:schemeClr val="dk1"/>
                           </a:solidFill>
@@ -9041,6 +9137,11 @@
                   </a:txBody>
                   <a:tcPr marL="0" marR="0" marT="32384" marB="0"/>
                 </a:tc>
+                <a:extLst>
+                  <a:ext uri="{0D108BD9-81ED-4DB2-BD59-A6C34878D82A}">
+                    <a16:rowId xmlns:a16="http://schemas.microsoft.com/office/drawing/2014/main" val="10012"/>
+                  </a:ext>
+                </a:extLst>
               </a:tr>
             </a:tbl>
           </a:graphicData>
@@ -9220,7 +9321,7 @@
           <p:nvPr>
             <p:extLst>
               <p:ext uri="{D42A27DB-BD31-4B8C-83A1-F6EECF244321}">
-                <p14:modId xmlns:p14="http://schemas.microsoft.com/office/powerpoint/2010/main" xmlns="" val="2992551136"/>
+                <p14:modId xmlns:p14="http://schemas.microsoft.com/office/powerpoint/2010/main" val="2992551136"/>
               </p:ext>
             </p:extLst>
           </p:nvPr>
@@ -9239,21 +9340,21 @@
                 <a:gridCol w="619100">
                   <a:extLst>
                     <a:ext uri="{9D8B030D-6E8A-4147-A177-3AD203B41FA5}">
-                      <a16:colId xmlns:a16="http://schemas.microsoft.com/office/drawing/2014/main" xmlns="" val="20000"/>
+                      <a16:colId xmlns:a16="http://schemas.microsoft.com/office/drawing/2014/main" val="20000"/>
                     </a:ext>
                   </a:extLst>
                 </a:gridCol>
                 <a:gridCol w="2686809">
                   <a:extLst>
                     <a:ext uri="{9D8B030D-6E8A-4147-A177-3AD203B41FA5}">
-                      <a16:colId xmlns:a16="http://schemas.microsoft.com/office/drawing/2014/main" xmlns="" val="20001"/>
+                      <a16:colId xmlns:a16="http://schemas.microsoft.com/office/drawing/2014/main" val="20001"/>
                     </a:ext>
                   </a:extLst>
                 </a:gridCol>
                 <a:gridCol w="1170843">
                   <a:extLst>
                     <a:ext uri="{9D8B030D-6E8A-4147-A177-3AD203B41FA5}">
-                      <a16:colId xmlns:a16="http://schemas.microsoft.com/office/drawing/2014/main" xmlns="" val="20002"/>
+                      <a16:colId xmlns:a16="http://schemas.microsoft.com/office/drawing/2014/main" val="20002"/>
                     </a:ext>
                   </a:extLst>
                 </a:gridCol>
@@ -9306,11 +9407,11 @@
                         </a:spcBef>
                       </a:pPr>
                       <a:r>
-                        <a:rPr sz="1400" spc="-5" smtClean="0"/>
+                        <a:rPr sz="1400" spc="-5"/>
                         <a:t>Vehicles/Tippers</a:t>
                       </a:r>
                       <a:r>
-                        <a:rPr lang="en-US" sz="1400" spc="-5" dirty="0" smtClean="0"/>
+                        <a:rPr lang="en-US" sz="1400" spc="-5" dirty="0"/>
                         <a:t>/Plants</a:t>
                       </a:r>
                       <a:endParaRPr sz="1400" dirty="0">
@@ -9348,7 +9449,7 @@
                 </a:tc>
                 <a:extLst>
                   <a:ext uri="{0D108BD9-81ED-4DB2-BD59-A6C34878D82A}">
-                    <a16:rowId xmlns:a16="http://schemas.microsoft.com/office/drawing/2014/main" xmlns="" val="10000"/>
+                    <a16:rowId xmlns:a16="http://schemas.microsoft.com/office/drawing/2014/main" val="10000"/>
                   </a:ext>
                 </a:extLst>
               </a:tr>
@@ -9367,7 +9468,7 @@
                         </a:spcBef>
                       </a:pPr>
                       <a:r>
-                        <a:rPr lang="en-US" sz="1400" spc="-5" dirty="0" smtClean="0">
+                        <a:rPr lang="en-US" sz="1400" spc="-5" dirty="0">
                           <a:solidFill>
                             <a:schemeClr val="dk1"/>
                           </a:solidFill>
@@ -9441,7 +9542,7 @@
                 </a:tc>
                 <a:extLst>
                   <a:ext uri="{0D108BD9-81ED-4DB2-BD59-A6C34878D82A}">
-                    <a16:rowId xmlns:a16="http://schemas.microsoft.com/office/drawing/2014/main" xmlns="" val="10001"/>
+                    <a16:rowId xmlns:a16="http://schemas.microsoft.com/office/drawing/2014/main" val="10001"/>
                   </a:ext>
                 </a:extLst>
               </a:tr>
@@ -9460,11 +9561,11 @@
                         </a:spcBef>
                       </a:pPr>
                       <a:r>
-                        <a:rPr sz="1400" spc="-5" smtClean="0"/>
+                        <a:rPr sz="1400" spc="-5"/>
                         <a:t>1</a:t>
                       </a:r>
                       <a:r>
-                        <a:rPr lang="en-US" sz="1400" spc="-5" dirty="0" smtClean="0"/>
+                        <a:rPr lang="en-US" sz="1400" spc="-5" dirty="0"/>
                         <a:t>2</a:t>
                       </a:r>
                       <a:endParaRPr sz="1400">
@@ -9527,7 +9628,7 @@
                 </a:tc>
                 <a:extLst>
                   <a:ext uri="{0D108BD9-81ED-4DB2-BD59-A6C34878D82A}">
-                    <a16:rowId xmlns:a16="http://schemas.microsoft.com/office/drawing/2014/main" xmlns="" val="10002"/>
+                    <a16:rowId xmlns:a16="http://schemas.microsoft.com/office/drawing/2014/main" val="10002"/>
                   </a:ext>
                 </a:extLst>
               </a:tr>
@@ -9546,11 +9647,11 @@
                         </a:spcBef>
                       </a:pPr>
                       <a:r>
-                        <a:rPr sz="1400" spc="-5" smtClean="0"/>
+                        <a:rPr sz="1400" spc="-5"/>
                         <a:t>1</a:t>
                       </a:r>
                       <a:r>
-                        <a:rPr lang="en-US" sz="1400" spc="-5" dirty="0" smtClean="0"/>
+                        <a:rPr lang="en-US" sz="1400" spc="-5" dirty="0"/>
                         <a:t>3</a:t>
                       </a:r>
                       <a:endParaRPr sz="1400">
@@ -9575,7 +9676,7 @@
                         </a:spcBef>
                       </a:pPr>
                       <a:r>
-                        <a:rPr lang="en-US" sz="1400" spc="-5" dirty="0" smtClean="0">
+                        <a:rPr lang="en-US" sz="1400" spc="-5" dirty="0">
                           <a:solidFill>
                             <a:schemeClr val="dk1"/>
                           </a:solidFill>
@@ -9586,7 +9687,7 @@
                         <a:t>   </a:t>
                       </a:r>
                       <a:r>
-                        <a:rPr lang="en-US" sz="1400" spc="-5" dirty="0" err="1" smtClean="0">
+                        <a:rPr lang="en-US" sz="1400" spc="-5" dirty="0" err="1">
                           <a:solidFill>
                             <a:schemeClr val="dk1"/>
                           </a:solidFill>
@@ -9597,7 +9698,7 @@
                         <a:t>Eicher</a:t>
                       </a:r>
                       <a:r>
-                        <a:rPr lang="en-US" sz="1400" spc="-5" dirty="0" smtClean="0">
+                        <a:rPr lang="en-US" sz="1400" spc="-5" dirty="0">
                           <a:solidFill>
                             <a:schemeClr val="dk1"/>
                           </a:solidFill>
@@ -9633,7 +9734,7 @@
                         </a:spcBef>
                       </a:pPr>
                       <a:r>
-                        <a:rPr lang="en-US" sz="1400" spc="-5" dirty="0" smtClean="0">
+                        <a:rPr lang="en-US" sz="1400" spc="-5" dirty="0">
                           <a:solidFill>
                             <a:schemeClr val="dk1"/>
                           </a:solidFill>
@@ -9657,7 +9758,7 @@
                 </a:tc>
                 <a:extLst>
                   <a:ext uri="{0D108BD9-81ED-4DB2-BD59-A6C34878D82A}">
-                    <a16:rowId xmlns:a16="http://schemas.microsoft.com/office/drawing/2014/main" xmlns="" val="10003"/>
+                    <a16:rowId xmlns:a16="http://schemas.microsoft.com/office/drawing/2014/main" val="10003"/>
                   </a:ext>
                 </a:extLst>
               </a:tr>
@@ -9676,7 +9777,7 @@
                         </a:spcBef>
                       </a:pPr>
                       <a:r>
-                        <a:rPr lang="en-US" sz="1400" spc="-5" dirty="0" smtClean="0">
+                        <a:rPr lang="en-US" sz="1400" spc="-5" dirty="0">
                           <a:solidFill>
                             <a:schemeClr val="dk1"/>
                           </a:solidFill>
@@ -9712,7 +9813,7 @@
                         </a:spcBef>
                       </a:pPr>
                       <a:r>
-                        <a:rPr lang="en-US" sz="1400" spc="-5" dirty="0" smtClean="0">
+                        <a:rPr lang="en-US" sz="1400" spc="-5" dirty="0">
                           <a:solidFill>
                             <a:schemeClr val="dk1"/>
                           </a:solidFill>
@@ -9723,7 +9824,7 @@
                         <a:t>Ashok </a:t>
                       </a:r>
                       <a:r>
-                        <a:rPr lang="en-US" sz="1400" spc="-5" dirty="0" err="1" smtClean="0">
+                        <a:rPr lang="en-US" sz="1400" spc="-5" dirty="0" err="1">
                           <a:solidFill>
                             <a:schemeClr val="dk1"/>
                           </a:solidFill>
@@ -9734,7 +9835,7 @@
                         <a:t>Leyand</a:t>
                       </a:r>
                       <a:r>
-                        <a:rPr lang="en-US" sz="1400" spc="-5" dirty="0" smtClean="0">
+                        <a:rPr lang="en-US" sz="1400" spc="-5" dirty="0">
                           <a:solidFill>
                             <a:schemeClr val="dk1"/>
                           </a:solidFill>
@@ -9744,14 +9845,6 @@
                         </a:rPr>
                         <a:t>  Transit Mixer</a:t>
                       </a:r>
-                      <a:endParaRPr lang="en-US" sz="1400" spc="-5" dirty="0">
-                        <a:solidFill>
-                          <a:schemeClr val="dk1"/>
-                        </a:solidFill>
-                        <a:latin typeface="+mn-lt"/>
-                        <a:ea typeface="+mn-ea"/>
-                        <a:cs typeface="+mn-cs"/>
-                      </a:endParaRPr>
                     </a:p>
                   </a:txBody>
                   <a:tcPr marL="0" marR="0" marT="32384" marB="0"/>
@@ -9770,7 +9863,7 @@
                         </a:spcBef>
                       </a:pPr>
                       <a:r>
-                        <a:rPr lang="en-US" sz="1400" spc="-5" smtClean="0">
+                        <a:rPr lang="en-US" sz="1400" spc="-5">
                           <a:solidFill>
                             <a:schemeClr val="dk1"/>
                           </a:solidFill>
@@ -9792,6 +9885,11 @@
                   </a:txBody>
                   <a:tcPr marL="0" marR="0" marT="32384" marB="0"/>
                 </a:tc>
+                <a:extLst>
+                  <a:ext uri="{0D108BD9-81ED-4DB2-BD59-A6C34878D82A}">
+                    <a16:rowId xmlns:a16="http://schemas.microsoft.com/office/drawing/2014/main" val="10011"/>
+                  </a:ext>
+                </a:extLst>
               </a:tr>
               <a:tr h="346669">
                 <a:tc>
@@ -9808,7 +9906,7 @@
                         </a:spcBef>
                       </a:pPr>
                       <a:r>
-                        <a:rPr lang="en-US" sz="1400" spc="-5" dirty="0" smtClean="0">
+                        <a:rPr lang="en-US" sz="1400" spc="-5" dirty="0">
                           <a:solidFill>
                             <a:schemeClr val="dk1"/>
                           </a:solidFill>
@@ -9844,7 +9942,7 @@
                         </a:spcBef>
                       </a:pPr>
                       <a:r>
-                        <a:rPr lang="en-US" sz="1400" spc="-5" dirty="0" smtClean="0">
+                        <a:rPr lang="en-US" sz="1400" spc="-5" dirty="0">
                           <a:solidFill>
                             <a:schemeClr val="dk1"/>
                           </a:solidFill>
@@ -9855,7 +9953,7 @@
                         <a:t>KYB </a:t>
                       </a:r>
                       <a:r>
-                        <a:rPr lang="en-US" sz="1400" spc="-5" dirty="0" err="1" smtClean="0">
+                        <a:rPr lang="en-US" sz="1400" spc="-5" dirty="0" err="1">
                           <a:solidFill>
                             <a:schemeClr val="dk1"/>
                           </a:solidFill>
@@ -9866,7 +9964,7 @@
                         <a:t>conmat</a:t>
                       </a:r>
                       <a:r>
-                        <a:rPr lang="en-US" sz="1400" spc="-5" dirty="0" smtClean="0">
+                        <a:rPr lang="en-US" sz="1400" spc="-5" dirty="0">
                           <a:solidFill>
                             <a:schemeClr val="dk1"/>
                           </a:solidFill>
@@ -9876,14 +9974,6 @@
                         </a:rPr>
                         <a:t> Batching Plant CRP-450</a:t>
                       </a:r>
-                      <a:endParaRPr lang="en-US" sz="1400" spc="-5" dirty="0">
-                        <a:solidFill>
-                          <a:schemeClr val="dk1"/>
-                        </a:solidFill>
-                        <a:latin typeface="+mn-lt"/>
-                        <a:ea typeface="+mn-ea"/>
-                        <a:cs typeface="+mn-cs"/>
-                      </a:endParaRPr>
                     </a:p>
                   </a:txBody>
                   <a:tcPr marL="0" marR="0" marT="32384" marB="0"/>
@@ -9902,7 +9992,7 @@
                         </a:spcBef>
                       </a:pPr>
                       <a:r>
-                        <a:rPr lang="en-US" sz="1400" spc="-5" dirty="0" smtClean="0">
+                        <a:rPr lang="en-US" sz="1400" spc="-5" dirty="0">
                           <a:solidFill>
                             <a:schemeClr val="dk1"/>
                           </a:solidFill>
@@ -9912,18 +10002,15 @@
                         </a:rPr>
                         <a:t>01</a:t>
                       </a:r>
-                      <a:endParaRPr lang="en-US" sz="1400" spc="-5" dirty="0">
-                        <a:solidFill>
-                          <a:schemeClr val="dk1"/>
-                        </a:solidFill>
-                        <a:latin typeface="+mn-lt"/>
-                        <a:ea typeface="+mn-ea"/>
-                        <a:cs typeface="+mn-cs"/>
-                      </a:endParaRPr>
                     </a:p>
                   </a:txBody>
                   <a:tcPr marL="0" marR="0" marT="32384" marB="0"/>
                 </a:tc>
+                <a:extLst>
+                  <a:ext uri="{0D108BD9-81ED-4DB2-BD59-A6C34878D82A}">
+                    <a16:rowId xmlns:a16="http://schemas.microsoft.com/office/drawing/2014/main" val="10012"/>
+                  </a:ext>
+                </a:extLst>
               </a:tr>
               <a:tr h="346669">
                 <a:tc>
@@ -9940,7 +10027,7 @@
                         </a:spcBef>
                       </a:pPr>
                       <a:r>
-                        <a:rPr sz="1400" spc="-5" smtClean="0">
+                        <a:rPr sz="1400" spc="-5">
                           <a:solidFill>
                             <a:schemeClr val="dk1"/>
                           </a:solidFill>
@@ -9951,7 +10038,7 @@
                         <a:t>1</a:t>
                       </a:r>
                       <a:r>
-                        <a:rPr lang="en-US" sz="1400" spc="-5" dirty="0" smtClean="0">
+                        <a:rPr lang="en-US" sz="1400" spc="-5" dirty="0">
                           <a:solidFill>
                             <a:schemeClr val="dk1"/>
                           </a:solidFill>
@@ -10029,7 +10116,7 @@
                 </a:tc>
                 <a:extLst>
                   <a:ext uri="{0D108BD9-81ED-4DB2-BD59-A6C34878D82A}">
-                    <a16:rowId xmlns:a16="http://schemas.microsoft.com/office/drawing/2014/main" xmlns="" val="10004"/>
+                    <a16:rowId xmlns:a16="http://schemas.microsoft.com/office/drawing/2014/main" val="10004"/>
                   </a:ext>
                 </a:extLst>
               </a:tr>
@@ -10048,7 +10135,7 @@
                         </a:spcBef>
                       </a:pPr>
                       <a:r>
-                        <a:rPr lang="en-US" sz="1400" spc="-5" dirty="0" smtClean="0">
+                        <a:rPr lang="en-US" sz="1400" spc="-5" dirty="0">
                           <a:solidFill>
                             <a:schemeClr val="dk1"/>
                           </a:solidFill>
@@ -10058,14 +10145,6 @@
                         </a:rPr>
                         <a:t>17</a:t>
                       </a:r>
-                      <a:endParaRPr lang="en-US" sz="1400" spc="-5" dirty="0">
-                        <a:solidFill>
-                          <a:schemeClr val="dk1"/>
-                        </a:solidFill>
-                        <a:latin typeface="+mn-lt"/>
-                        <a:ea typeface="+mn-ea"/>
-                        <a:cs typeface="+mn-cs"/>
-                      </a:endParaRPr>
                     </a:p>
                   </a:txBody>
                   <a:tcPr marL="0" marR="0" marT="32384" marB="0"/>
@@ -10084,11 +10163,11 @@
                         </a:spcBef>
                       </a:pPr>
                       <a:r>
-                        <a:rPr lang="en-US" sz="1400" spc="-5" dirty="0" smtClean="0"/>
+                        <a:rPr lang="en-US" sz="1400" spc="-5" dirty="0"/>
                         <a:t>Mahindra Bolero</a:t>
                       </a:r>
                       <a:r>
-                        <a:rPr lang="en-US" sz="1400" spc="-10" dirty="0" smtClean="0"/>
+                        <a:rPr lang="en-US" sz="1400" spc="-10" dirty="0"/>
                         <a:t>  SLX</a:t>
                       </a:r>
                       <a:endParaRPr sz="1400">
@@ -10113,7 +10192,7 @@
                         </a:spcBef>
                       </a:pPr>
                       <a:r>
-                        <a:rPr lang="en-US" sz="1400" dirty="0" smtClean="0">
+                        <a:rPr lang="en-US" sz="1400" dirty="0">
                           <a:latin typeface="Palladio Uralic"/>
                           <a:cs typeface="Palladio Uralic"/>
                         </a:rPr>
@@ -10129,7 +10208,7 @@
                 </a:tc>
                 <a:extLst>
                   <a:ext uri="{0D108BD9-81ED-4DB2-BD59-A6C34878D82A}">
-                    <a16:rowId xmlns:a16="http://schemas.microsoft.com/office/drawing/2014/main" xmlns="" val="10005"/>
+                    <a16:rowId xmlns:a16="http://schemas.microsoft.com/office/drawing/2014/main" val="10005"/>
                   </a:ext>
                 </a:extLst>
               </a:tr>
@@ -10148,7 +10227,7 @@
                         </a:spcBef>
                       </a:pPr>
                       <a:r>
-                        <a:rPr lang="en-US" sz="1400" spc="-5" dirty="0" smtClean="0">
+                        <a:rPr lang="en-US" sz="1400" spc="-5" dirty="0">
                           <a:solidFill>
                             <a:schemeClr val="dk1"/>
                           </a:solidFill>
@@ -10238,7 +10317,7 @@
                 </a:tc>
                 <a:extLst>
                   <a:ext uri="{0D108BD9-81ED-4DB2-BD59-A6C34878D82A}">
-                    <a16:rowId xmlns:a16="http://schemas.microsoft.com/office/drawing/2014/main" xmlns="" val="10006"/>
+                    <a16:rowId xmlns:a16="http://schemas.microsoft.com/office/drawing/2014/main" val="10006"/>
                   </a:ext>
                 </a:extLst>
               </a:tr>
@@ -10257,7 +10336,7 @@
                         </a:spcBef>
                       </a:pPr>
                       <a:r>
-                        <a:rPr lang="en-US" sz="1400" spc="-5" dirty="0" smtClean="0">
+                        <a:rPr lang="en-US" sz="1400" spc="-5" dirty="0">
                           <a:solidFill>
                             <a:schemeClr val="dk1"/>
                           </a:solidFill>
@@ -10339,7 +10418,7 @@
                 </a:tc>
                 <a:extLst>
                   <a:ext uri="{0D108BD9-81ED-4DB2-BD59-A6C34878D82A}">
-                    <a16:rowId xmlns:a16="http://schemas.microsoft.com/office/drawing/2014/main" xmlns="" val="10007"/>
+                    <a16:rowId xmlns:a16="http://schemas.microsoft.com/office/drawing/2014/main" val="10007"/>
                   </a:ext>
                 </a:extLst>
               </a:tr>
@@ -10358,7 +10437,7 @@
                         </a:spcBef>
                       </a:pPr>
                       <a:r>
-                        <a:rPr lang="en-US" sz="1400" spc="-5" dirty="0" smtClean="0">
+                        <a:rPr lang="en-US" sz="1400" spc="-5" dirty="0">
                           <a:solidFill>
                             <a:schemeClr val="dk1"/>
                           </a:solidFill>
@@ -10432,7 +10511,7 @@
                 </a:tc>
                 <a:extLst>
                   <a:ext uri="{0D108BD9-81ED-4DB2-BD59-A6C34878D82A}">
-                    <a16:rowId xmlns:a16="http://schemas.microsoft.com/office/drawing/2014/main" xmlns="" val="10008"/>
+                    <a16:rowId xmlns:a16="http://schemas.microsoft.com/office/drawing/2014/main" val="10008"/>
                   </a:ext>
                 </a:extLst>
               </a:tr>
@@ -10451,7 +10530,7 @@
                         </a:spcBef>
                       </a:pPr>
                       <a:r>
-                        <a:rPr lang="en-US" sz="1400" spc="-5" dirty="0" smtClean="0">
+                        <a:rPr lang="en-US" sz="1400" spc="-5" dirty="0">
                           <a:solidFill>
                             <a:schemeClr val="dk1"/>
                           </a:solidFill>
@@ -10541,7 +10620,7 @@
                 </a:tc>
                 <a:extLst>
                   <a:ext uri="{0D108BD9-81ED-4DB2-BD59-A6C34878D82A}">
-                    <a16:rowId xmlns:a16="http://schemas.microsoft.com/office/drawing/2014/main" xmlns="" val="10009"/>
+                    <a16:rowId xmlns:a16="http://schemas.microsoft.com/office/drawing/2014/main" val="10009"/>
                   </a:ext>
                 </a:extLst>
               </a:tr>
@@ -10560,7 +10639,7 @@
                         </a:spcBef>
                       </a:pPr>
                       <a:r>
-                        <a:rPr lang="en-US" sz="1400" spc="-5" dirty="0" smtClean="0">
+                        <a:rPr lang="en-US" sz="1400" spc="-5" dirty="0">
                           <a:solidFill>
                             <a:schemeClr val="dk1"/>
                           </a:solidFill>
@@ -10570,14 +10649,6 @@
                         </a:rPr>
                         <a:t>22</a:t>
                       </a:r>
-                      <a:endParaRPr lang="en-US" sz="1400" spc="-5" dirty="0">
-                        <a:solidFill>
-                          <a:schemeClr val="dk1"/>
-                        </a:solidFill>
-                        <a:latin typeface="+mn-lt"/>
-                        <a:ea typeface="+mn-ea"/>
-                        <a:cs typeface="+mn-cs"/>
-                      </a:endParaRPr>
                     </a:p>
                     <a:p>
                       <a:pPr marL="0" algn="ctr">
@@ -10660,7 +10731,7 @@
                 </a:tc>
                 <a:extLst>
                   <a:ext uri="{0D108BD9-81ED-4DB2-BD59-A6C34878D82A}">
-                    <a16:rowId xmlns:a16="http://schemas.microsoft.com/office/drawing/2014/main" xmlns="" val="10010"/>
+                    <a16:rowId xmlns:a16="http://schemas.microsoft.com/office/drawing/2014/main" val="10010"/>
                   </a:ext>
                 </a:extLst>
               </a:tr>
@@ -10677,7 +10748,7 @@
           <p:nvPr>
             <p:extLst>
               <p:ext uri="{D42A27DB-BD31-4B8C-83A1-F6EECF244321}">
-                <p14:modId xmlns:p14="http://schemas.microsoft.com/office/powerpoint/2010/main" xmlns="" val="1305653079"/>
+                <p14:modId xmlns:p14="http://schemas.microsoft.com/office/powerpoint/2010/main" val="1305653079"/>
               </p:ext>
             </p:extLst>
           </p:nvPr>
@@ -10696,21 +10767,21 @@
                 <a:gridCol w="891547">
                   <a:extLst>
                     <a:ext uri="{9D8B030D-6E8A-4147-A177-3AD203B41FA5}">
-                      <a16:colId xmlns:a16="http://schemas.microsoft.com/office/drawing/2014/main" xmlns="" val="20000"/>
+                      <a16:colId xmlns:a16="http://schemas.microsoft.com/office/drawing/2014/main" val="20000"/>
                     </a:ext>
                   </a:extLst>
                 </a:gridCol>
                 <a:gridCol w="2057412">
                   <a:extLst>
                     <a:ext uri="{9D8B030D-6E8A-4147-A177-3AD203B41FA5}">
-                      <a16:colId xmlns:a16="http://schemas.microsoft.com/office/drawing/2014/main" xmlns="" val="20001"/>
+                      <a16:colId xmlns:a16="http://schemas.microsoft.com/office/drawing/2014/main" val="20001"/>
                     </a:ext>
                   </a:extLst>
                 </a:gridCol>
                 <a:gridCol w="822937">
                   <a:extLst>
                     <a:ext uri="{9D8B030D-6E8A-4147-A177-3AD203B41FA5}">
-                      <a16:colId xmlns:a16="http://schemas.microsoft.com/office/drawing/2014/main" xmlns="" val="20002"/>
+                      <a16:colId xmlns:a16="http://schemas.microsoft.com/office/drawing/2014/main" val="20002"/>
                     </a:ext>
                   </a:extLst>
                 </a:gridCol>
@@ -10801,7 +10872,7 @@
                 </a:tc>
                 <a:extLst>
                   <a:ext uri="{0D108BD9-81ED-4DB2-BD59-A6C34878D82A}">
-                    <a16:rowId xmlns:a16="http://schemas.microsoft.com/office/drawing/2014/main" xmlns="" val="10000"/>
+                    <a16:rowId xmlns:a16="http://schemas.microsoft.com/office/drawing/2014/main" val="10000"/>
                   </a:ext>
                 </a:extLst>
               </a:tr>
@@ -10820,7 +10891,7 @@
                         </a:spcBef>
                       </a:pPr>
                       <a:r>
-                        <a:rPr lang="en-US" sz="1400" spc="-5" dirty="0" smtClean="0">
+                        <a:rPr lang="en-US" sz="1400" spc="-5" dirty="0">
                           <a:solidFill>
                             <a:schemeClr val="dk1"/>
                           </a:solidFill>
@@ -10830,14 +10901,6 @@
                         </a:rPr>
                         <a:t>23</a:t>
                       </a:r>
-                      <a:endParaRPr lang="en-US" sz="1400" spc="-5" dirty="0">
-                        <a:solidFill>
-                          <a:schemeClr val="dk1"/>
-                        </a:solidFill>
-                        <a:latin typeface="+mn-lt"/>
-                        <a:ea typeface="+mn-ea"/>
-                        <a:cs typeface="+mn-cs"/>
-                      </a:endParaRPr>
                     </a:p>
                   </a:txBody>
                   <a:tcPr marL="0" marR="0" marT="32384" marB="0"/>
@@ -10898,7 +10961,7 @@
                 </a:tc>
                 <a:extLst>
                   <a:ext uri="{0D108BD9-81ED-4DB2-BD59-A6C34878D82A}">
-                    <a16:rowId xmlns:a16="http://schemas.microsoft.com/office/drawing/2014/main" xmlns="" val="10001"/>
+                    <a16:rowId xmlns:a16="http://schemas.microsoft.com/office/drawing/2014/main" val="10001"/>
                   </a:ext>
                 </a:extLst>
               </a:tr>
@@ -10917,7 +10980,7 @@
                         </a:spcBef>
                       </a:pPr>
                       <a:r>
-                        <a:rPr lang="en-US" sz="1400" spc="-5" dirty="0" smtClean="0">
+                        <a:rPr lang="en-US" sz="1400" spc="-5" dirty="0">
                           <a:solidFill>
                             <a:schemeClr val="dk1"/>
                           </a:solidFill>
@@ -10927,14 +10990,6 @@
                         </a:rPr>
                         <a:t>24</a:t>
                       </a:r>
-                      <a:endParaRPr lang="en-US" sz="1400" spc="-5" dirty="0">
-                        <a:solidFill>
-                          <a:schemeClr val="dk1"/>
-                        </a:solidFill>
-                        <a:latin typeface="+mn-lt"/>
-                        <a:ea typeface="+mn-ea"/>
-                        <a:cs typeface="+mn-cs"/>
-                      </a:endParaRPr>
                     </a:p>
                   </a:txBody>
                   <a:tcPr marL="0" marR="0" marT="32384" marB="0"/>
@@ -10995,7 +11050,7 @@
                 </a:tc>
                 <a:extLst>
                   <a:ext uri="{0D108BD9-81ED-4DB2-BD59-A6C34878D82A}">
-                    <a16:rowId xmlns:a16="http://schemas.microsoft.com/office/drawing/2014/main" xmlns="" val="10002"/>
+                    <a16:rowId xmlns:a16="http://schemas.microsoft.com/office/drawing/2014/main" val="10002"/>
                   </a:ext>
                 </a:extLst>
               </a:tr>
@@ -11014,7 +11069,7 @@
                         </a:spcBef>
                       </a:pPr>
                       <a:r>
-                        <a:rPr lang="en-US" sz="1400" spc="-5" dirty="0" smtClean="0">
+                        <a:rPr lang="en-US" sz="1400" spc="-5" dirty="0">
                           <a:solidFill>
                             <a:schemeClr val="dk1"/>
                           </a:solidFill>
@@ -11024,14 +11079,6 @@
                         </a:rPr>
                         <a:t>25</a:t>
                       </a:r>
-                      <a:endParaRPr lang="en-US" sz="1400" spc="-5" dirty="0">
-                        <a:solidFill>
-                          <a:schemeClr val="dk1"/>
-                        </a:solidFill>
-                        <a:latin typeface="+mn-lt"/>
-                        <a:ea typeface="+mn-ea"/>
-                        <a:cs typeface="+mn-cs"/>
-                      </a:endParaRPr>
                     </a:p>
                   </a:txBody>
                   <a:tcPr marL="0" marR="0" marT="32384" marB="0"/>
@@ -11079,7 +11126,7 @@
                         </a:spcBef>
                       </a:pPr>
                       <a:r>
-                        <a:rPr lang="en-US" sz="1400" dirty="0" smtClean="0"/>
+                        <a:rPr lang="en-US" sz="1400" dirty="0"/>
                         <a:t>02</a:t>
                       </a:r>
                       <a:endParaRPr lang="en-US" sz="1400" dirty="0">
@@ -11092,7 +11139,7 @@
                 </a:tc>
                 <a:extLst>
                   <a:ext uri="{0D108BD9-81ED-4DB2-BD59-A6C34878D82A}">
-                    <a16:rowId xmlns:a16="http://schemas.microsoft.com/office/drawing/2014/main" xmlns="" val="10003"/>
+                    <a16:rowId xmlns:a16="http://schemas.microsoft.com/office/drawing/2014/main" val="10003"/>
                   </a:ext>
                 </a:extLst>
               </a:tr>
@@ -11111,7 +11158,7 @@
                         </a:spcBef>
                       </a:pPr>
                       <a:r>
-                        <a:rPr lang="en-US" sz="1400" spc="-5" dirty="0" smtClean="0">
+                        <a:rPr lang="en-US" sz="1400" spc="-5" dirty="0">
                           <a:solidFill>
                             <a:schemeClr val="dk1"/>
                           </a:solidFill>
@@ -11121,14 +11168,6 @@
                         </a:rPr>
                         <a:t>26</a:t>
                       </a:r>
-                      <a:endParaRPr lang="en-US" sz="1400" spc="-5" dirty="0">
-                        <a:solidFill>
-                          <a:schemeClr val="dk1"/>
-                        </a:solidFill>
-                        <a:latin typeface="+mn-lt"/>
-                        <a:ea typeface="+mn-ea"/>
-                        <a:cs typeface="+mn-cs"/>
-                      </a:endParaRPr>
                     </a:p>
                   </a:txBody>
                   <a:tcPr marL="0" marR="0" marT="32384" marB="0"/>
@@ -11185,7 +11224,7 @@
                 </a:tc>
                 <a:extLst>
                   <a:ext uri="{0D108BD9-81ED-4DB2-BD59-A6C34878D82A}">
-                    <a16:rowId xmlns:a16="http://schemas.microsoft.com/office/drawing/2014/main" xmlns="" val="10004"/>
+                    <a16:rowId xmlns:a16="http://schemas.microsoft.com/office/drawing/2014/main" val="10004"/>
                   </a:ext>
                 </a:extLst>
               </a:tr>
@@ -11204,7 +11243,7 @@
                         </a:spcBef>
                       </a:pPr>
                       <a:r>
-                        <a:rPr lang="en-US" sz="1400" spc="-5" dirty="0" smtClean="0">
+                        <a:rPr lang="en-US" sz="1400" spc="-5" dirty="0">
                           <a:solidFill>
                             <a:schemeClr val="dk1"/>
                           </a:solidFill>
@@ -11214,14 +11253,6 @@
                         </a:rPr>
                         <a:t>27</a:t>
                       </a:r>
-                      <a:endParaRPr lang="en-US" sz="1400" spc="-5" dirty="0">
-                        <a:solidFill>
-                          <a:schemeClr val="dk1"/>
-                        </a:solidFill>
-                        <a:latin typeface="+mn-lt"/>
-                        <a:ea typeface="+mn-ea"/>
-                        <a:cs typeface="+mn-cs"/>
-                      </a:endParaRPr>
                     </a:p>
                   </a:txBody>
                   <a:tcPr marL="0" marR="0" marT="32384" marB="0"/>
@@ -11278,7 +11309,7 @@
                 </a:tc>
                 <a:extLst>
                   <a:ext uri="{0D108BD9-81ED-4DB2-BD59-A6C34878D82A}">
-                    <a16:rowId xmlns:a16="http://schemas.microsoft.com/office/drawing/2014/main" xmlns="" val="10005"/>
+                    <a16:rowId xmlns:a16="http://schemas.microsoft.com/office/drawing/2014/main" val="10005"/>
                   </a:ext>
                 </a:extLst>
               </a:tr>
@@ -11297,7 +11328,7 @@
                         </a:spcBef>
                       </a:pPr>
                       <a:r>
-                        <a:rPr lang="en-US" sz="1400" spc="-5" dirty="0" smtClean="0">
+                        <a:rPr lang="en-US" sz="1400" spc="-5" dirty="0">
                           <a:solidFill>
                             <a:schemeClr val="dk1"/>
                           </a:solidFill>
@@ -11307,14 +11338,6 @@
                         </a:rPr>
                         <a:t>28</a:t>
                       </a:r>
-                      <a:endParaRPr lang="en-US" sz="1400" spc="-5" dirty="0">
-                        <a:solidFill>
-                          <a:schemeClr val="dk1"/>
-                        </a:solidFill>
-                        <a:latin typeface="+mn-lt"/>
-                        <a:ea typeface="+mn-ea"/>
-                        <a:cs typeface="+mn-cs"/>
-                      </a:endParaRPr>
                     </a:p>
                   </a:txBody>
                   <a:tcPr marL="0" marR="0" marT="32384" marB="0"/>
@@ -11333,7 +11356,7 @@
                         </a:spcBef>
                       </a:pPr>
                       <a:r>
-                        <a:rPr lang="en-US" sz="1400" dirty="0" smtClean="0">
+                        <a:rPr lang="en-US" sz="1400" dirty="0">
                           <a:solidFill>
                             <a:schemeClr val="dk1"/>
                           </a:solidFill>
@@ -11343,14 +11366,6 @@
                         </a:rPr>
                         <a:t>ISUZI D-max</a:t>
                       </a:r>
-                      <a:endParaRPr lang="en-US" sz="1400" dirty="0">
-                        <a:solidFill>
-                          <a:schemeClr val="dk1"/>
-                        </a:solidFill>
-                        <a:latin typeface="+mn-lt"/>
-                        <a:ea typeface="+mn-ea"/>
-                        <a:cs typeface="+mn-cs"/>
-                      </a:endParaRPr>
                     </a:p>
                   </a:txBody>
                   <a:tcPr marL="0" marR="0" marT="32384" marB="0"/>
@@ -11369,7 +11384,7 @@
                         </a:spcBef>
                       </a:pPr>
                       <a:r>
-                        <a:rPr lang="en-US" sz="1400" dirty="0" smtClean="0">
+                        <a:rPr lang="en-US" sz="1400" dirty="0">
                           <a:latin typeface="Palladio Uralic"/>
                           <a:cs typeface="Palladio Uralic"/>
                         </a:rPr>
@@ -11383,6 +11398,11 @@
                   </a:txBody>
                   <a:tcPr marL="0" marR="0" marT="32384" marB="0"/>
                 </a:tc>
+                <a:extLst>
+                  <a:ext uri="{0D108BD9-81ED-4DB2-BD59-A6C34878D82A}">
+                    <a16:rowId xmlns:a16="http://schemas.microsoft.com/office/drawing/2014/main" val="10006"/>
+                  </a:ext>
+                </a:extLst>
               </a:tr>
             </a:tbl>
           </a:graphicData>
@@ -11760,7 +11780,7 @@
           <p:nvPr>
             <p:extLst>
               <p:ext uri="{D42A27DB-BD31-4B8C-83A1-F6EECF244321}">
-                <p14:modId xmlns:p14="http://schemas.microsoft.com/office/powerpoint/2010/main" xmlns="" val="3885407016"/>
+                <p14:modId xmlns:p14="http://schemas.microsoft.com/office/powerpoint/2010/main" val="3926819816"/>
               </p:ext>
             </p:extLst>
           </p:nvPr>
@@ -11779,14 +11799,14 @@
                 <a:gridCol w="3050978">
                   <a:extLst>
                     <a:ext uri="{9D8B030D-6E8A-4147-A177-3AD203B41FA5}">
-                      <a16:colId xmlns:a16="http://schemas.microsoft.com/office/drawing/2014/main" xmlns="" val="20000"/>
+                      <a16:colId xmlns:a16="http://schemas.microsoft.com/office/drawing/2014/main" val="20000"/>
                     </a:ext>
                   </a:extLst>
                 </a:gridCol>
                 <a:gridCol w="2664022">
                   <a:extLst>
                     <a:ext uri="{9D8B030D-6E8A-4147-A177-3AD203B41FA5}">
-                      <a16:colId xmlns:a16="http://schemas.microsoft.com/office/drawing/2014/main" xmlns="" val="20001"/>
+                      <a16:colId xmlns:a16="http://schemas.microsoft.com/office/drawing/2014/main" val="20001"/>
                     </a:ext>
                   </a:extLst>
                 </a:gridCol>
@@ -11856,7 +11876,7 @@
                 </a:tc>
                 <a:extLst>
                   <a:ext uri="{0D108BD9-81ED-4DB2-BD59-A6C34878D82A}">
-                    <a16:rowId xmlns:a16="http://schemas.microsoft.com/office/drawing/2014/main" xmlns="" val="10000"/>
+                    <a16:rowId xmlns:a16="http://schemas.microsoft.com/office/drawing/2014/main" val="10000"/>
                   </a:ext>
                 </a:extLst>
               </a:tr>
@@ -11933,7 +11953,7 @@
                 </a:tc>
                 <a:extLst>
                   <a:ext uri="{0D108BD9-81ED-4DB2-BD59-A6C34878D82A}">
-                    <a16:rowId xmlns:a16="http://schemas.microsoft.com/office/drawing/2014/main" xmlns="" val="10007"/>
+                    <a16:rowId xmlns:a16="http://schemas.microsoft.com/office/drawing/2014/main" val="10007"/>
                   </a:ext>
                 </a:extLst>
               </a:tr>
@@ -12010,7 +12030,7 @@
                 </a:tc>
                 <a:extLst>
                   <a:ext uri="{0D108BD9-81ED-4DB2-BD59-A6C34878D82A}">
-                    <a16:rowId xmlns:a16="http://schemas.microsoft.com/office/drawing/2014/main" xmlns="" val="10008"/>
+                    <a16:rowId xmlns:a16="http://schemas.microsoft.com/office/drawing/2014/main" val="10008"/>
                   </a:ext>
                 </a:extLst>
               </a:tr>
@@ -12071,7 +12091,7 @@
                 </a:tc>
                 <a:extLst>
                   <a:ext uri="{0D108BD9-81ED-4DB2-BD59-A6C34878D82A}">
-                    <a16:rowId xmlns:a16="http://schemas.microsoft.com/office/drawing/2014/main" xmlns="" val="10009"/>
+                    <a16:rowId xmlns:a16="http://schemas.microsoft.com/office/drawing/2014/main" val="10009"/>
                   </a:ext>
                 </a:extLst>
               </a:tr>
@@ -12090,12 +12110,8 @@
                         </a:spcBef>
                       </a:pPr>
                       <a:r>
-                        <a:rPr lang="en-IN" sz="1400" dirty="0" smtClean="0"/>
-                        <a:t>2020-21 </a:t>
-                      </a:r>
-                      <a:r>
                         <a:rPr lang="en-IN" sz="1400" dirty="0"/>
-                        <a:t>(Audited)</a:t>
+                        <a:t>2020-21 (Audited)</a:t>
                       </a:r>
                       <a:endParaRPr sz="1400">
                         <a:latin typeface="Palladio Uralic"/>
@@ -12120,11 +12136,7 @@
                       </a:pPr>
                       <a:r>
                         <a:rPr lang="en-IN" sz="1400" dirty="0"/>
-                        <a:t>Rs. </a:t>
-                      </a:r>
-                      <a:r>
-                        <a:rPr lang="en-IN" sz="1400" dirty="0" smtClean="0"/>
-                        <a:t>34.01 </a:t>
+                        <a:t>Rs. 34.01 </a:t>
                       </a:r>
                       <a:r>
                         <a:rPr lang="en-IN" sz="1400" dirty="0" err="1"/>
@@ -12138,6 +12150,11 @@
                   </a:txBody>
                   <a:tcPr marL="0" marR="0" marT="32384" marB="0"/>
                 </a:tc>
+                <a:extLst>
+                  <a:ext uri="{0D108BD9-81ED-4DB2-BD59-A6C34878D82A}">
+                    <a16:rowId xmlns:a16="http://schemas.microsoft.com/office/drawing/2014/main" val="10004"/>
+                  </a:ext>
+                </a:extLst>
               </a:tr>
               <a:tr h="369713">
                 <a:tc>
@@ -12154,12 +12171,8 @@
                         </a:spcBef>
                       </a:pPr>
                       <a:r>
-                        <a:rPr lang="en-IN" sz="1400" dirty="0" smtClean="0"/>
-                        <a:t>2021-22 </a:t>
-                      </a:r>
-                      <a:r>
                         <a:rPr lang="en-IN" sz="1400" dirty="0"/>
-                        <a:t>(Audited)</a:t>
+                        <a:t>2021-22 (Audited)</a:t>
                       </a:r>
                       <a:endParaRPr sz="1400">
                         <a:latin typeface="Palladio Uralic"/>
@@ -12184,14 +12197,10 @@
                       </a:pPr>
                       <a:r>
                         <a:rPr lang="en-IN" sz="1400" dirty="0"/>
-                        <a:t>Rs. </a:t>
-                      </a:r>
-                      <a:r>
-                        <a:rPr lang="en-IN" sz="1400" dirty="0" smtClean="0"/>
-                        <a:t>42.09 </a:t>
-                      </a:r>
-                      <a:r>
-                        <a:rPr lang="en-IN" sz="1400" dirty="0" err="1" smtClean="0"/>
+                        <a:t>Rs. 42.09 </a:t>
+                      </a:r>
+                      <a:r>
+                        <a:rPr lang="en-IN" sz="1400" dirty="0" err="1"/>
                         <a:t>crore</a:t>
                       </a:r>
                       <a:endParaRPr sz="1400" dirty="0">
@@ -12202,6 +12211,11 @@
                   </a:txBody>
                   <a:tcPr marL="0" marR="0" marT="32384" marB="0"/>
                 </a:tc>
+                <a:extLst>
+                  <a:ext uri="{0D108BD9-81ED-4DB2-BD59-A6C34878D82A}">
+                    <a16:rowId xmlns:a16="http://schemas.microsoft.com/office/drawing/2014/main" val="10005"/>
+                  </a:ext>
+                </a:extLst>
               </a:tr>
               <a:tr h="369713">
                 <a:tc>
@@ -12218,7 +12232,7 @@
                         </a:spcBef>
                       </a:pPr>
                       <a:r>
-                        <a:rPr lang="en-US" sz="1400" dirty="0" smtClean="0">
+                        <a:rPr lang="en-US" sz="1400" dirty="0">
                           <a:solidFill>
                             <a:schemeClr val="dk1"/>
                           </a:solidFill>
@@ -12226,7 +12240,7 @@
                           <a:ea typeface="+mn-ea"/>
                           <a:cs typeface="+mn-cs"/>
                         </a:rPr>
-                        <a:t>2022-23 (Un audited)</a:t>
+                        <a:t>2022-23 ( audited)</a:t>
                       </a:r>
                       <a:endParaRPr lang="en-IN" sz="1400" dirty="0">
                         <a:solidFill>
@@ -12254,7 +12268,7 @@
                         </a:spcBef>
                       </a:pPr>
                       <a:r>
-                        <a:rPr lang="en-US" sz="1400" dirty="0" smtClean="0">
+                        <a:rPr lang="en-US" sz="1400" dirty="0">
                           <a:solidFill>
                             <a:schemeClr val="dk1"/>
                           </a:solidFill>
@@ -12262,18 +12276,7 @@
                           <a:ea typeface="+mn-ea"/>
                           <a:cs typeface="+mn-cs"/>
                         </a:rPr>
-                        <a:t>Rs. 87.59 </a:t>
-                      </a:r>
-                      <a:r>
-                        <a:rPr lang="en-US" sz="1400" dirty="0" err="1" smtClean="0">
-                          <a:solidFill>
-                            <a:schemeClr val="dk1"/>
-                          </a:solidFill>
-                          <a:latin typeface="+mn-lt"/>
-                          <a:ea typeface="+mn-ea"/>
-                          <a:cs typeface="+mn-cs"/>
-                        </a:rPr>
-                        <a:t>Crore</a:t>
+                        <a:t>Rs. 88.94 Crore</a:t>
                       </a:r>
                       <a:endParaRPr lang="en-IN" sz="1400" dirty="0">
                         <a:solidFill>
@@ -12287,6 +12290,11 @@
                   </a:txBody>
                   <a:tcPr marL="0" marR="0" marT="32384" marB="0"/>
                 </a:tc>
+                <a:extLst>
+                  <a:ext uri="{0D108BD9-81ED-4DB2-BD59-A6C34878D82A}">
+                    <a16:rowId xmlns:a16="http://schemas.microsoft.com/office/drawing/2014/main" val="10006"/>
+                  </a:ext>
+                </a:extLst>
               </a:tr>
             </a:tbl>
           </a:graphicData>
@@ -12771,31 +12779,31 @@
               </a:spcBef>
             </a:pPr>
             <a:r>
-              <a:rPr sz="1600">
+              <a:rPr sz="1600" dirty="0">
                 <a:cs typeface="Georgia"/>
               </a:rPr>
               <a:t>-  </a:t>
             </a:r>
             <a:r>
-              <a:rPr sz="1600" smtClean="0">
+              <a:rPr sz="1600" dirty="0">
                 <a:cs typeface="Palladio Uralic"/>
               </a:rPr>
               <a:t>Rs.</a:t>
             </a:r>
             <a:r>
-              <a:rPr lang="en-IN" sz="1600" dirty="0" smtClean="0">
-                <a:cs typeface="Palladio Uralic"/>
-              </a:rPr>
-              <a:t>67</a:t>
-            </a:r>
-            <a:r>
-              <a:rPr sz="1600" smtClean="0">
-                <a:cs typeface="Palladio Uralic"/>
-              </a:rPr>
-              <a:t>0.00</a:t>
-            </a:r>
-            <a:r>
-              <a:rPr sz="1600" spc="-105" smtClean="0">
+              <a:rPr lang="en-IN" sz="1600" dirty="0">
+                <a:cs typeface="Palladio Uralic"/>
+              </a:rPr>
+              <a:t>2800</a:t>
+            </a:r>
+            <a:r>
+              <a:rPr sz="1600" dirty="0">
+                <a:cs typeface="Palladio Uralic"/>
+              </a:rPr>
+              <a:t>.00</a:t>
+            </a:r>
+            <a:r>
+              <a:rPr sz="1600" spc="-105" dirty="0">
                 <a:cs typeface="Palladio Uralic"/>
               </a:rPr>
               <a:t> </a:t>
@@ -12820,25 +12828,13 @@
               <a:rPr sz="1600" dirty="0">
                 <a:cs typeface="Palladio Uralic"/>
               </a:rPr>
-              <a:t>-  </a:t>
-            </a:r>
-            <a:r>
-              <a:rPr sz="1600" dirty="0" err="1">
-                <a:cs typeface="Palladio Uralic"/>
-              </a:rPr>
-              <a:t>Rs</a:t>
-            </a:r>
-            <a:r>
-              <a:rPr sz="1600" dirty="0">
-                <a:cs typeface="Palladio Uralic"/>
-              </a:rPr>
-              <a:t>.</a:t>
+              <a:t>-  Rs.</a:t>
             </a:r>
             <a:r>
               <a:rPr lang="en-IN" sz="1600" dirty="0">
                 <a:cs typeface="Palladio Uralic"/>
               </a:rPr>
-              <a:t>5</a:t>
+              <a:t>13</a:t>
             </a:r>
             <a:r>
               <a:rPr sz="1600" dirty="0">
